--- a/loadbal-1.pptx
+++ b/loadbal-1.pptx
@@ -3589,7 +3589,7 @@
         <p:spPr>
           <a:xfrm>
             <a:off x="98825" y="3223142"/>
-            <a:ext cx="7056784" cy="0"/>
+            <a:ext cx="7209479" cy="0"/>
           </a:xfrm>
           <a:prstGeom prst="straightConnector1">
             <a:avLst/>
@@ -3674,7 +3674,7 @@
         </p:nvSpPr>
         <p:spPr>
           <a:xfrm>
-            <a:off x="7172807" y="2992309"/>
+            <a:off x="7308304" y="3004444"/>
             <a:ext cx="729687" cy="461665"/>
           </a:xfrm>
           <a:prstGeom prst="rect">
@@ -3740,2008 +3740,6 @@
       </p:sp>
       <p:sp>
         <p:nvSpPr>
-          <p:cNvPr id="23" name="Freeform 22"/>
-          <p:cNvSpPr/>
-          <p:nvPr/>
-        </p:nvSpPr>
-        <p:spPr>
-          <a:xfrm>
-            <a:off x="860321" y="3901642"/>
-            <a:ext cx="510604" cy="1751682"/>
-          </a:xfrm>
-          <a:custGeom>
-            <a:avLst/>
-            <a:gdLst>
-              <a:gd name="connsiteX0" fmla="*/ 473725 w 473725"/>
-              <a:gd name="connsiteY0" fmla="*/ 0 h 1751682"/>
-              <a:gd name="connsiteX1" fmla="*/ 0 w 473725"/>
-              <a:gd name="connsiteY1" fmla="*/ 859316 h 1751682"/>
-              <a:gd name="connsiteX2" fmla="*/ 473725 w 473725"/>
-              <a:gd name="connsiteY2" fmla="*/ 1751682 h 1751682"/>
-            </a:gdLst>
-            <a:ahLst/>
-            <a:cxnLst>
-              <a:cxn ang="0">
-                <a:pos x="connsiteX0" y="connsiteY0"/>
-              </a:cxn>
-              <a:cxn ang="0">
-                <a:pos x="connsiteX1" y="connsiteY1"/>
-              </a:cxn>
-              <a:cxn ang="0">
-                <a:pos x="connsiteX2" y="connsiteY2"/>
-              </a:cxn>
-            </a:cxnLst>
-            <a:rect l="l" t="t" r="r" b="b"/>
-            <a:pathLst>
-              <a:path w="473725" h="1751682">
-                <a:moveTo>
-                  <a:pt x="473725" y="0"/>
-                </a:moveTo>
-                <a:cubicBezTo>
-                  <a:pt x="236862" y="283684"/>
-                  <a:pt x="0" y="567369"/>
-                  <a:pt x="0" y="859316"/>
-                </a:cubicBezTo>
-                <a:cubicBezTo>
-                  <a:pt x="0" y="1151263"/>
-                  <a:pt x="236862" y="1451472"/>
-                  <a:pt x="473725" y="1751682"/>
-                </a:cubicBezTo>
-              </a:path>
-            </a:pathLst>
-          </a:custGeom>
-          <a:noFill/>
-          <a:ln>
-            <a:solidFill>
-              <a:schemeClr val="tx1"/>
-            </a:solidFill>
-            <a:headEnd type="none" w="med" len="med"/>
-            <a:tailEnd type="arrow" w="med" len="med"/>
-          </a:ln>
-        </p:spPr>
-        <p:style>
-          <a:lnRef idx="2">
-            <a:schemeClr val="accent1">
-              <a:shade val="50000"/>
-            </a:schemeClr>
-          </a:lnRef>
-          <a:fillRef idx="1">
-            <a:schemeClr val="accent1"/>
-          </a:fillRef>
-          <a:effectRef idx="0">
-            <a:schemeClr val="accent1"/>
-          </a:effectRef>
-          <a:fontRef idx="minor">
-            <a:schemeClr val="lt1"/>
-          </a:fontRef>
-        </p:style>
-        <p:txBody>
-          <a:bodyPr rtlCol="0" anchor="ctr"/>
-          <a:lstStyle/>
-          <a:p>
-            <a:pPr algn="ctr"/>
-            <a:endParaRPr lang="de-CH"/>
-          </a:p>
-        </p:txBody>
-      </p:sp>
-      <p:sp>
-        <p:nvSpPr>
-          <p:cNvPr id="47" name="Freeform 46"/>
-          <p:cNvSpPr/>
-          <p:nvPr/>
-        </p:nvSpPr>
-        <p:spPr>
-          <a:xfrm flipH="1">
-            <a:off x="1633026" y="3916875"/>
-            <a:ext cx="621958" cy="1751682"/>
-          </a:xfrm>
-          <a:custGeom>
-            <a:avLst/>
-            <a:gdLst>
-              <a:gd name="connsiteX0" fmla="*/ 473725 w 473725"/>
-              <a:gd name="connsiteY0" fmla="*/ 0 h 1751682"/>
-              <a:gd name="connsiteX1" fmla="*/ 0 w 473725"/>
-              <a:gd name="connsiteY1" fmla="*/ 859316 h 1751682"/>
-              <a:gd name="connsiteX2" fmla="*/ 473725 w 473725"/>
-              <a:gd name="connsiteY2" fmla="*/ 1751682 h 1751682"/>
-            </a:gdLst>
-            <a:ahLst/>
-            <a:cxnLst>
-              <a:cxn ang="0">
-                <a:pos x="connsiteX0" y="connsiteY0"/>
-              </a:cxn>
-              <a:cxn ang="0">
-                <a:pos x="connsiteX1" y="connsiteY1"/>
-              </a:cxn>
-              <a:cxn ang="0">
-                <a:pos x="connsiteX2" y="connsiteY2"/>
-              </a:cxn>
-            </a:cxnLst>
-            <a:rect l="l" t="t" r="r" b="b"/>
-            <a:pathLst>
-              <a:path w="473725" h="1751682">
-                <a:moveTo>
-                  <a:pt x="473725" y="0"/>
-                </a:moveTo>
-                <a:cubicBezTo>
-                  <a:pt x="236862" y="283684"/>
-                  <a:pt x="0" y="567369"/>
-                  <a:pt x="0" y="859316"/>
-                </a:cubicBezTo>
-                <a:cubicBezTo>
-                  <a:pt x="0" y="1151263"/>
-                  <a:pt x="236862" y="1451472"/>
-                  <a:pt x="473725" y="1751682"/>
-                </a:cubicBezTo>
-              </a:path>
-            </a:pathLst>
-          </a:custGeom>
-          <a:noFill/>
-          <a:ln>
-            <a:solidFill>
-              <a:schemeClr val="tx1"/>
-            </a:solidFill>
-            <a:headEnd type="none" w="med" len="med"/>
-            <a:tailEnd type="arrow" w="med" len="med"/>
-          </a:ln>
-        </p:spPr>
-        <p:style>
-          <a:lnRef idx="2">
-            <a:schemeClr val="accent1">
-              <a:shade val="50000"/>
-            </a:schemeClr>
-          </a:lnRef>
-          <a:fillRef idx="1">
-            <a:schemeClr val="accent1"/>
-          </a:fillRef>
-          <a:effectRef idx="0">
-            <a:schemeClr val="accent1"/>
-          </a:effectRef>
-          <a:fontRef idx="minor">
-            <a:schemeClr val="lt1"/>
-          </a:fontRef>
-        </p:style>
-        <p:txBody>
-          <a:bodyPr rtlCol="0" anchor="ctr"/>
-          <a:lstStyle/>
-          <a:p>
-            <a:pPr algn="ctr"/>
-            <a:endParaRPr lang="de-CH"/>
-          </a:p>
-        </p:txBody>
-      </p:sp>
-      <p:sp>
-        <p:nvSpPr>
-          <p:cNvPr id="48" name="Freeform 47"/>
-          <p:cNvSpPr/>
-          <p:nvPr/>
-        </p:nvSpPr>
-        <p:spPr>
-          <a:xfrm flipH="1">
-            <a:off x="1616266" y="3916875"/>
-            <a:ext cx="469558" cy="1751682"/>
-          </a:xfrm>
-          <a:custGeom>
-            <a:avLst/>
-            <a:gdLst>
-              <a:gd name="connsiteX0" fmla="*/ 473725 w 473725"/>
-              <a:gd name="connsiteY0" fmla="*/ 0 h 1751682"/>
-              <a:gd name="connsiteX1" fmla="*/ 0 w 473725"/>
-              <a:gd name="connsiteY1" fmla="*/ 859316 h 1751682"/>
-              <a:gd name="connsiteX2" fmla="*/ 473725 w 473725"/>
-              <a:gd name="connsiteY2" fmla="*/ 1751682 h 1751682"/>
-            </a:gdLst>
-            <a:ahLst/>
-            <a:cxnLst>
-              <a:cxn ang="0">
-                <a:pos x="connsiteX0" y="connsiteY0"/>
-              </a:cxn>
-              <a:cxn ang="0">
-                <a:pos x="connsiteX1" y="connsiteY1"/>
-              </a:cxn>
-              <a:cxn ang="0">
-                <a:pos x="connsiteX2" y="connsiteY2"/>
-              </a:cxn>
-            </a:cxnLst>
-            <a:rect l="l" t="t" r="r" b="b"/>
-            <a:pathLst>
-              <a:path w="473725" h="1751682">
-                <a:moveTo>
-                  <a:pt x="473725" y="0"/>
-                </a:moveTo>
-                <a:cubicBezTo>
-                  <a:pt x="236862" y="283684"/>
-                  <a:pt x="0" y="567369"/>
-                  <a:pt x="0" y="859316"/>
-                </a:cubicBezTo>
-                <a:cubicBezTo>
-                  <a:pt x="0" y="1151263"/>
-                  <a:pt x="236862" y="1451472"/>
-                  <a:pt x="473725" y="1751682"/>
-                </a:cubicBezTo>
-              </a:path>
-            </a:pathLst>
-          </a:custGeom>
-          <a:noFill/>
-          <a:ln>
-            <a:solidFill>
-              <a:schemeClr val="tx1"/>
-            </a:solidFill>
-            <a:headEnd type="none" w="med" len="med"/>
-            <a:tailEnd type="arrow" w="med" len="med"/>
-          </a:ln>
-        </p:spPr>
-        <p:style>
-          <a:lnRef idx="2">
-            <a:schemeClr val="accent1">
-              <a:shade val="50000"/>
-            </a:schemeClr>
-          </a:lnRef>
-          <a:fillRef idx="1">
-            <a:schemeClr val="accent1"/>
-          </a:fillRef>
-          <a:effectRef idx="0">
-            <a:schemeClr val="accent1"/>
-          </a:effectRef>
-          <a:fontRef idx="minor">
-            <a:schemeClr val="lt1"/>
-          </a:fontRef>
-        </p:style>
-        <p:txBody>
-          <a:bodyPr rtlCol="0" anchor="ctr"/>
-          <a:lstStyle/>
-          <a:p>
-            <a:pPr algn="ctr"/>
-            <a:endParaRPr lang="de-CH"/>
-          </a:p>
-        </p:txBody>
-      </p:sp>
-      <p:sp>
-        <p:nvSpPr>
-          <p:cNvPr id="56" name="Rectangle 55"/>
-          <p:cNvSpPr/>
-          <p:nvPr/>
-        </p:nvSpPr>
-        <p:spPr>
-          <a:xfrm>
-            <a:off x="2634505" y="3428458"/>
-            <a:ext cx="1985425" cy="2904244"/>
-          </a:xfrm>
-          <a:prstGeom prst="rect">
-            <a:avLst/>
-          </a:prstGeom>
-          <a:solidFill>
-            <a:schemeClr val="bg1">
-              <a:lumMod val="95000"/>
-            </a:schemeClr>
-          </a:solidFill>
-          <a:ln>
-            <a:solidFill>
-              <a:schemeClr val="tx1"/>
-            </a:solidFill>
-          </a:ln>
-        </p:spPr>
-        <p:style>
-          <a:lnRef idx="2">
-            <a:schemeClr val="accent1">
-              <a:shade val="50000"/>
-            </a:schemeClr>
-          </a:lnRef>
-          <a:fillRef idx="1">
-            <a:schemeClr val="accent1"/>
-          </a:fillRef>
-          <a:effectRef idx="0">
-            <a:schemeClr val="accent1"/>
-          </a:effectRef>
-          <a:fontRef idx="minor">
-            <a:schemeClr val="lt1"/>
-          </a:fontRef>
-        </p:style>
-        <p:txBody>
-          <a:bodyPr rtlCol="0" anchor="ctr"/>
-          <a:lstStyle/>
-          <a:p>
-            <a:pPr algn="ctr"/>
-            <a:endParaRPr lang="de-CH"/>
-          </a:p>
-        </p:txBody>
-      </p:sp>
-      <p:sp>
-        <p:nvSpPr>
-          <p:cNvPr id="61" name="Freeform 60"/>
-          <p:cNvSpPr/>
-          <p:nvPr/>
-        </p:nvSpPr>
-        <p:spPr>
-          <a:xfrm>
-            <a:off x="2998146" y="3901642"/>
-            <a:ext cx="510604" cy="1751682"/>
-          </a:xfrm>
-          <a:custGeom>
-            <a:avLst/>
-            <a:gdLst>
-              <a:gd name="connsiteX0" fmla="*/ 473725 w 473725"/>
-              <a:gd name="connsiteY0" fmla="*/ 0 h 1751682"/>
-              <a:gd name="connsiteX1" fmla="*/ 0 w 473725"/>
-              <a:gd name="connsiteY1" fmla="*/ 859316 h 1751682"/>
-              <a:gd name="connsiteX2" fmla="*/ 473725 w 473725"/>
-              <a:gd name="connsiteY2" fmla="*/ 1751682 h 1751682"/>
-            </a:gdLst>
-            <a:ahLst/>
-            <a:cxnLst>
-              <a:cxn ang="0">
-                <a:pos x="connsiteX0" y="connsiteY0"/>
-              </a:cxn>
-              <a:cxn ang="0">
-                <a:pos x="connsiteX1" y="connsiteY1"/>
-              </a:cxn>
-              <a:cxn ang="0">
-                <a:pos x="connsiteX2" y="connsiteY2"/>
-              </a:cxn>
-            </a:cxnLst>
-            <a:rect l="l" t="t" r="r" b="b"/>
-            <a:pathLst>
-              <a:path w="473725" h="1751682">
-                <a:moveTo>
-                  <a:pt x="473725" y="0"/>
-                </a:moveTo>
-                <a:cubicBezTo>
-                  <a:pt x="236862" y="283684"/>
-                  <a:pt x="0" y="567369"/>
-                  <a:pt x="0" y="859316"/>
-                </a:cubicBezTo>
-                <a:cubicBezTo>
-                  <a:pt x="0" y="1151263"/>
-                  <a:pt x="236862" y="1451472"/>
-                  <a:pt x="473725" y="1751682"/>
-                </a:cubicBezTo>
-              </a:path>
-            </a:pathLst>
-          </a:custGeom>
-          <a:noFill/>
-          <a:ln>
-            <a:solidFill>
-              <a:schemeClr val="tx1"/>
-            </a:solidFill>
-            <a:headEnd type="none" w="med" len="med"/>
-            <a:tailEnd type="arrow" w="med" len="med"/>
-          </a:ln>
-        </p:spPr>
-        <p:style>
-          <a:lnRef idx="2">
-            <a:schemeClr val="accent1">
-              <a:shade val="50000"/>
-            </a:schemeClr>
-          </a:lnRef>
-          <a:fillRef idx="1">
-            <a:schemeClr val="accent1"/>
-          </a:fillRef>
-          <a:effectRef idx="0">
-            <a:schemeClr val="accent1"/>
-          </a:effectRef>
-          <a:fontRef idx="minor">
-            <a:schemeClr val="lt1"/>
-          </a:fontRef>
-        </p:style>
-        <p:txBody>
-          <a:bodyPr rtlCol="0" anchor="ctr"/>
-          <a:lstStyle/>
-          <a:p>
-            <a:pPr algn="ctr"/>
-            <a:endParaRPr lang="de-CH"/>
-          </a:p>
-        </p:txBody>
-      </p:sp>
-      <p:sp>
-        <p:nvSpPr>
-          <p:cNvPr id="62" name="Freeform 61"/>
-          <p:cNvSpPr/>
-          <p:nvPr/>
-        </p:nvSpPr>
-        <p:spPr>
-          <a:xfrm flipH="1">
-            <a:off x="3770851" y="3916875"/>
-            <a:ext cx="621958" cy="1751682"/>
-          </a:xfrm>
-          <a:custGeom>
-            <a:avLst/>
-            <a:gdLst>
-              <a:gd name="connsiteX0" fmla="*/ 473725 w 473725"/>
-              <a:gd name="connsiteY0" fmla="*/ 0 h 1751682"/>
-              <a:gd name="connsiteX1" fmla="*/ 0 w 473725"/>
-              <a:gd name="connsiteY1" fmla="*/ 859316 h 1751682"/>
-              <a:gd name="connsiteX2" fmla="*/ 473725 w 473725"/>
-              <a:gd name="connsiteY2" fmla="*/ 1751682 h 1751682"/>
-            </a:gdLst>
-            <a:ahLst/>
-            <a:cxnLst>
-              <a:cxn ang="0">
-                <a:pos x="connsiteX0" y="connsiteY0"/>
-              </a:cxn>
-              <a:cxn ang="0">
-                <a:pos x="connsiteX1" y="connsiteY1"/>
-              </a:cxn>
-              <a:cxn ang="0">
-                <a:pos x="connsiteX2" y="connsiteY2"/>
-              </a:cxn>
-            </a:cxnLst>
-            <a:rect l="l" t="t" r="r" b="b"/>
-            <a:pathLst>
-              <a:path w="473725" h="1751682">
-                <a:moveTo>
-                  <a:pt x="473725" y="0"/>
-                </a:moveTo>
-                <a:cubicBezTo>
-                  <a:pt x="236862" y="283684"/>
-                  <a:pt x="0" y="567369"/>
-                  <a:pt x="0" y="859316"/>
-                </a:cubicBezTo>
-                <a:cubicBezTo>
-                  <a:pt x="0" y="1151263"/>
-                  <a:pt x="236862" y="1451472"/>
-                  <a:pt x="473725" y="1751682"/>
-                </a:cubicBezTo>
-              </a:path>
-            </a:pathLst>
-          </a:custGeom>
-          <a:noFill/>
-          <a:ln>
-            <a:solidFill>
-              <a:schemeClr val="tx1"/>
-            </a:solidFill>
-            <a:headEnd type="none" w="med" len="med"/>
-            <a:tailEnd type="arrow" w="med" len="med"/>
-          </a:ln>
-        </p:spPr>
-        <p:style>
-          <a:lnRef idx="2">
-            <a:schemeClr val="accent1">
-              <a:shade val="50000"/>
-            </a:schemeClr>
-          </a:lnRef>
-          <a:fillRef idx="1">
-            <a:schemeClr val="accent1"/>
-          </a:fillRef>
-          <a:effectRef idx="0">
-            <a:schemeClr val="accent1"/>
-          </a:effectRef>
-          <a:fontRef idx="minor">
-            <a:schemeClr val="lt1"/>
-          </a:fontRef>
-        </p:style>
-        <p:txBody>
-          <a:bodyPr rtlCol="0" anchor="ctr"/>
-          <a:lstStyle/>
-          <a:p>
-            <a:pPr algn="ctr"/>
-            <a:endParaRPr lang="de-CH"/>
-          </a:p>
-        </p:txBody>
-      </p:sp>
-      <p:sp>
-        <p:nvSpPr>
-          <p:cNvPr id="63" name="Freeform 62"/>
-          <p:cNvSpPr/>
-          <p:nvPr/>
-        </p:nvSpPr>
-        <p:spPr>
-          <a:xfrm flipH="1">
-            <a:off x="3754091" y="3916875"/>
-            <a:ext cx="469558" cy="1751682"/>
-          </a:xfrm>
-          <a:custGeom>
-            <a:avLst/>
-            <a:gdLst>
-              <a:gd name="connsiteX0" fmla="*/ 473725 w 473725"/>
-              <a:gd name="connsiteY0" fmla="*/ 0 h 1751682"/>
-              <a:gd name="connsiteX1" fmla="*/ 0 w 473725"/>
-              <a:gd name="connsiteY1" fmla="*/ 859316 h 1751682"/>
-              <a:gd name="connsiteX2" fmla="*/ 473725 w 473725"/>
-              <a:gd name="connsiteY2" fmla="*/ 1751682 h 1751682"/>
-            </a:gdLst>
-            <a:ahLst/>
-            <a:cxnLst>
-              <a:cxn ang="0">
-                <a:pos x="connsiteX0" y="connsiteY0"/>
-              </a:cxn>
-              <a:cxn ang="0">
-                <a:pos x="connsiteX1" y="connsiteY1"/>
-              </a:cxn>
-              <a:cxn ang="0">
-                <a:pos x="connsiteX2" y="connsiteY2"/>
-              </a:cxn>
-            </a:cxnLst>
-            <a:rect l="l" t="t" r="r" b="b"/>
-            <a:pathLst>
-              <a:path w="473725" h="1751682">
-                <a:moveTo>
-                  <a:pt x="473725" y="0"/>
-                </a:moveTo>
-                <a:cubicBezTo>
-                  <a:pt x="236862" y="283684"/>
-                  <a:pt x="0" y="567369"/>
-                  <a:pt x="0" y="859316"/>
-                </a:cubicBezTo>
-                <a:cubicBezTo>
-                  <a:pt x="0" y="1151263"/>
-                  <a:pt x="236862" y="1451472"/>
-                  <a:pt x="473725" y="1751682"/>
-                </a:cubicBezTo>
-              </a:path>
-            </a:pathLst>
-          </a:custGeom>
-          <a:noFill/>
-          <a:ln>
-            <a:solidFill>
-              <a:schemeClr val="tx1"/>
-            </a:solidFill>
-            <a:headEnd type="none" w="med" len="med"/>
-            <a:tailEnd type="arrow" w="med" len="med"/>
-          </a:ln>
-        </p:spPr>
-        <p:style>
-          <a:lnRef idx="2">
-            <a:schemeClr val="accent1">
-              <a:shade val="50000"/>
-            </a:schemeClr>
-          </a:lnRef>
-          <a:fillRef idx="1">
-            <a:schemeClr val="accent1"/>
-          </a:fillRef>
-          <a:effectRef idx="0">
-            <a:schemeClr val="accent1"/>
-          </a:effectRef>
-          <a:fontRef idx="minor">
-            <a:schemeClr val="lt1"/>
-          </a:fontRef>
-        </p:style>
-        <p:txBody>
-          <a:bodyPr rtlCol="0" anchor="ctr"/>
-          <a:lstStyle/>
-          <a:p>
-            <a:pPr algn="ctr"/>
-            <a:endParaRPr lang="de-CH"/>
-          </a:p>
-        </p:txBody>
-      </p:sp>
-      <p:sp>
-        <p:nvSpPr>
-          <p:cNvPr id="72" name="Freeform 71"/>
-          <p:cNvSpPr/>
-          <p:nvPr/>
-        </p:nvSpPr>
-        <p:spPr>
-          <a:xfrm>
-            <a:off x="3101048" y="3909951"/>
-            <a:ext cx="407702" cy="1751682"/>
-          </a:xfrm>
-          <a:custGeom>
-            <a:avLst/>
-            <a:gdLst>
-              <a:gd name="connsiteX0" fmla="*/ 473725 w 473725"/>
-              <a:gd name="connsiteY0" fmla="*/ 0 h 1751682"/>
-              <a:gd name="connsiteX1" fmla="*/ 0 w 473725"/>
-              <a:gd name="connsiteY1" fmla="*/ 859316 h 1751682"/>
-              <a:gd name="connsiteX2" fmla="*/ 473725 w 473725"/>
-              <a:gd name="connsiteY2" fmla="*/ 1751682 h 1751682"/>
-            </a:gdLst>
-            <a:ahLst/>
-            <a:cxnLst>
-              <a:cxn ang="0">
-                <a:pos x="connsiteX0" y="connsiteY0"/>
-              </a:cxn>
-              <a:cxn ang="0">
-                <a:pos x="connsiteX1" y="connsiteY1"/>
-              </a:cxn>
-              <a:cxn ang="0">
-                <a:pos x="connsiteX2" y="connsiteY2"/>
-              </a:cxn>
-            </a:cxnLst>
-            <a:rect l="l" t="t" r="r" b="b"/>
-            <a:pathLst>
-              <a:path w="473725" h="1751682">
-                <a:moveTo>
-                  <a:pt x="473725" y="0"/>
-                </a:moveTo>
-                <a:cubicBezTo>
-                  <a:pt x="236862" y="283684"/>
-                  <a:pt x="0" y="567369"/>
-                  <a:pt x="0" y="859316"/>
-                </a:cubicBezTo>
-                <a:cubicBezTo>
-                  <a:pt x="0" y="1151263"/>
-                  <a:pt x="236862" y="1451472"/>
-                  <a:pt x="473725" y="1751682"/>
-                </a:cubicBezTo>
-              </a:path>
-            </a:pathLst>
-          </a:custGeom>
-          <a:noFill/>
-          <a:ln>
-            <a:solidFill>
-              <a:schemeClr val="tx1"/>
-            </a:solidFill>
-            <a:headEnd type="none" w="med" len="med"/>
-            <a:tailEnd type="arrow" w="med" len="med"/>
-          </a:ln>
-        </p:spPr>
-        <p:style>
-          <a:lnRef idx="2">
-            <a:schemeClr val="accent1">
-              <a:shade val="50000"/>
-            </a:schemeClr>
-          </a:lnRef>
-          <a:fillRef idx="1">
-            <a:schemeClr val="accent1"/>
-          </a:fillRef>
-          <a:effectRef idx="0">
-            <a:schemeClr val="accent1"/>
-          </a:effectRef>
-          <a:fontRef idx="minor">
-            <a:schemeClr val="lt1"/>
-          </a:fontRef>
-        </p:style>
-        <p:txBody>
-          <a:bodyPr rtlCol="0" anchor="ctr"/>
-          <a:lstStyle/>
-          <a:p>
-            <a:pPr algn="ctr"/>
-            <a:endParaRPr lang="de-CH"/>
-          </a:p>
-        </p:txBody>
-      </p:sp>
-      <p:sp>
-        <p:nvSpPr>
-          <p:cNvPr id="73" name="Freeform 72"/>
-          <p:cNvSpPr/>
-          <p:nvPr/>
-        </p:nvSpPr>
-        <p:spPr>
-          <a:xfrm>
-            <a:off x="2854130" y="3901642"/>
-            <a:ext cx="628689" cy="1751682"/>
-          </a:xfrm>
-          <a:custGeom>
-            <a:avLst/>
-            <a:gdLst>
-              <a:gd name="connsiteX0" fmla="*/ 473725 w 473725"/>
-              <a:gd name="connsiteY0" fmla="*/ 0 h 1751682"/>
-              <a:gd name="connsiteX1" fmla="*/ 0 w 473725"/>
-              <a:gd name="connsiteY1" fmla="*/ 859316 h 1751682"/>
-              <a:gd name="connsiteX2" fmla="*/ 473725 w 473725"/>
-              <a:gd name="connsiteY2" fmla="*/ 1751682 h 1751682"/>
-            </a:gdLst>
-            <a:ahLst/>
-            <a:cxnLst>
-              <a:cxn ang="0">
-                <a:pos x="connsiteX0" y="connsiteY0"/>
-              </a:cxn>
-              <a:cxn ang="0">
-                <a:pos x="connsiteX1" y="connsiteY1"/>
-              </a:cxn>
-              <a:cxn ang="0">
-                <a:pos x="connsiteX2" y="connsiteY2"/>
-              </a:cxn>
-            </a:cxnLst>
-            <a:rect l="l" t="t" r="r" b="b"/>
-            <a:pathLst>
-              <a:path w="473725" h="1751682">
-                <a:moveTo>
-                  <a:pt x="473725" y="0"/>
-                </a:moveTo>
-                <a:cubicBezTo>
-                  <a:pt x="236862" y="283684"/>
-                  <a:pt x="0" y="567369"/>
-                  <a:pt x="0" y="859316"/>
-                </a:cubicBezTo>
-                <a:cubicBezTo>
-                  <a:pt x="0" y="1151263"/>
-                  <a:pt x="236862" y="1451472"/>
-                  <a:pt x="473725" y="1751682"/>
-                </a:cubicBezTo>
-              </a:path>
-            </a:pathLst>
-          </a:custGeom>
-          <a:noFill/>
-          <a:ln>
-            <a:solidFill>
-              <a:schemeClr val="tx1"/>
-            </a:solidFill>
-            <a:headEnd type="none" w="med" len="med"/>
-            <a:tailEnd type="arrow" w="med" len="med"/>
-          </a:ln>
-        </p:spPr>
-        <p:style>
-          <a:lnRef idx="2">
-            <a:schemeClr val="accent1">
-              <a:shade val="50000"/>
-            </a:schemeClr>
-          </a:lnRef>
-          <a:fillRef idx="1">
-            <a:schemeClr val="accent1"/>
-          </a:fillRef>
-          <a:effectRef idx="0">
-            <a:schemeClr val="accent1"/>
-          </a:effectRef>
-          <a:fontRef idx="minor">
-            <a:schemeClr val="lt1"/>
-          </a:fontRef>
-        </p:style>
-        <p:txBody>
-          <a:bodyPr rtlCol="0" anchor="ctr"/>
-          <a:lstStyle/>
-          <a:p>
-            <a:pPr algn="ctr"/>
-            <a:endParaRPr lang="de-CH"/>
-          </a:p>
-        </p:txBody>
-      </p:sp>
-      <p:sp>
-        <p:nvSpPr>
-          <p:cNvPr id="22" name="Oval 21"/>
-          <p:cNvSpPr/>
-          <p:nvPr/>
-        </p:nvSpPr>
-        <p:spPr>
-          <a:xfrm>
-            <a:off x="1344994" y="3716313"/>
-            <a:ext cx="288032" cy="319390"/>
-          </a:xfrm>
-          <a:prstGeom prst="ellipse">
-            <a:avLst/>
-          </a:prstGeom>
-          <a:solidFill>
-            <a:schemeClr val="tx1">
-              <a:lumMod val="75000"/>
-              <a:lumOff val="25000"/>
-            </a:schemeClr>
-          </a:solidFill>
-          <a:ln>
-            <a:solidFill>
-              <a:schemeClr val="tx1"/>
-            </a:solidFill>
-          </a:ln>
-        </p:spPr>
-        <p:style>
-          <a:lnRef idx="2">
-            <a:schemeClr val="accent1">
-              <a:shade val="50000"/>
-            </a:schemeClr>
-          </a:lnRef>
-          <a:fillRef idx="1">
-            <a:schemeClr val="accent1"/>
-          </a:fillRef>
-          <a:effectRef idx="0">
-            <a:schemeClr val="accent1"/>
-          </a:effectRef>
-          <a:fontRef idx="minor">
-            <a:schemeClr val="lt1"/>
-          </a:fontRef>
-        </p:style>
-        <p:txBody>
-          <a:bodyPr rtlCol="0" anchor="ctr"/>
-          <a:lstStyle/>
-          <a:p>
-            <a:pPr algn="ctr"/>
-            <a:endParaRPr lang="de-CH"/>
-          </a:p>
-        </p:txBody>
-      </p:sp>
-      <p:sp>
-        <p:nvSpPr>
-          <p:cNvPr id="44" name="Oval 43"/>
-          <p:cNvSpPr/>
-          <p:nvPr/>
-        </p:nvSpPr>
-        <p:spPr>
-          <a:xfrm>
-            <a:off x="1370925" y="5588521"/>
-            <a:ext cx="288032" cy="319390"/>
-          </a:xfrm>
-          <a:prstGeom prst="ellipse">
-            <a:avLst/>
-          </a:prstGeom>
-          <a:solidFill>
-            <a:schemeClr val="tx1">
-              <a:lumMod val="75000"/>
-              <a:lumOff val="25000"/>
-            </a:schemeClr>
-          </a:solidFill>
-          <a:ln>
-            <a:solidFill>
-              <a:schemeClr val="tx1"/>
-            </a:solidFill>
-          </a:ln>
-        </p:spPr>
-        <p:style>
-          <a:lnRef idx="2">
-            <a:schemeClr val="accent1">
-              <a:shade val="50000"/>
-            </a:schemeClr>
-          </a:lnRef>
-          <a:fillRef idx="1">
-            <a:schemeClr val="accent1"/>
-          </a:fillRef>
-          <a:effectRef idx="0">
-            <a:schemeClr val="accent1"/>
-          </a:effectRef>
-          <a:fontRef idx="minor">
-            <a:schemeClr val="lt1"/>
-          </a:fontRef>
-        </p:style>
-        <p:txBody>
-          <a:bodyPr rtlCol="0" anchor="ctr"/>
-          <a:lstStyle/>
-          <a:p>
-            <a:pPr algn="ctr"/>
-            <a:endParaRPr lang="de-CH"/>
-          </a:p>
-        </p:txBody>
-      </p:sp>
-      <p:sp>
-        <p:nvSpPr>
-          <p:cNvPr id="45" name="Oval 44"/>
-          <p:cNvSpPr/>
-          <p:nvPr/>
-        </p:nvSpPr>
-        <p:spPr>
-          <a:xfrm>
-            <a:off x="716305" y="4633021"/>
-            <a:ext cx="288032" cy="319390"/>
-          </a:xfrm>
-          <a:prstGeom prst="ellipse">
-            <a:avLst/>
-          </a:prstGeom>
-          <a:solidFill>
-            <a:schemeClr val="tx1">
-              <a:lumMod val="75000"/>
-              <a:lumOff val="25000"/>
-            </a:schemeClr>
-          </a:solidFill>
-          <a:ln>
-            <a:solidFill>
-              <a:schemeClr val="tx1"/>
-            </a:solidFill>
-          </a:ln>
-        </p:spPr>
-        <p:style>
-          <a:lnRef idx="2">
-            <a:schemeClr val="accent1">
-              <a:shade val="50000"/>
-            </a:schemeClr>
-          </a:lnRef>
-          <a:fillRef idx="1">
-            <a:schemeClr val="accent1"/>
-          </a:fillRef>
-          <a:effectRef idx="0">
-            <a:schemeClr val="accent1"/>
-          </a:effectRef>
-          <a:fontRef idx="minor">
-            <a:schemeClr val="lt1"/>
-          </a:fontRef>
-        </p:style>
-        <p:txBody>
-          <a:bodyPr rtlCol="0" anchor="ctr"/>
-          <a:lstStyle/>
-          <a:p>
-            <a:pPr algn="ctr"/>
-            <a:endParaRPr lang="de-CH"/>
-          </a:p>
-        </p:txBody>
-      </p:sp>
-      <p:sp>
-        <p:nvSpPr>
-          <p:cNvPr id="46" name="Oval 45"/>
-          <p:cNvSpPr/>
-          <p:nvPr/>
-        </p:nvSpPr>
-        <p:spPr>
-          <a:xfrm>
-            <a:off x="2018987" y="4633021"/>
-            <a:ext cx="288032" cy="319390"/>
-          </a:xfrm>
-          <a:prstGeom prst="ellipse">
-            <a:avLst/>
-          </a:prstGeom>
-          <a:solidFill>
-            <a:schemeClr val="tx1">
-              <a:lumMod val="75000"/>
-              <a:lumOff val="25000"/>
-            </a:schemeClr>
-          </a:solidFill>
-          <a:ln>
-            <a:solidFill>
-              <a:schemeClr val="tx1"/>
-            </a:solidFill>
-          </a:ln>
-        </p:spPr>
-        <p:style>
-          <a:lnRef idx="2">
-            <a:schemeClr val="accent1">
-              <a:shade val="50000"/>
-            </a:schemeClr>
-          </a:lnRef>
-          <a:fillRef idx="1">
-            <a:schemeClr val="accent1"/>
-          </a:fillRef>
-          <a:effectRef idx="0">
-            <a:schemeClr val="accent1"/>
-          </a:effectRef>
-          <a:fontRef idx="minor">
-            <a:schemeClr val="lt1"/>
-          </a:fontRef>
-        </p:style>
-        <p:txBody>
-          <a:bodyPr rtlCol="0" anchor="ctr"/>
-          <a:lstStyle/>
-          <a:p>
-            <a:pPr algn="ctr"/>
-            <a:endParaRPr lang="de-CH"/>
-          </a:p>
-        </p:txBody>
-      </p:sp>
-      <p:sp>
-        <p:nvSpPr>
-          <p:cNvPr id="57" name="Oval 56"/>
-          <p:cNvSpPr/>
-          <p:nvPr/>
-        </p:nvSpPr>
-        <p:spPr>
-          <a:xfrm>
-            <a:off x="3482819" y="3716313"/>
-            <a:ext cx="288032" cy="319390"/>
-          </a:xfrm>
-          <a:prstGeom prst="ellipse">
-            <a:avLst/>
-          </a:prstGeom>
-          <a:solidFill>
-            <a:schemeClr val="tx1">
-              <a:lumMod val="75000"/>
-              <a:lumOff val="25000"/>
-            </a:schemeClr>
-          </a:solidFill>
-          <a:ln>
-            <a:solidFill>
-              <a:schemeClr val="tx1"/>
-            </a:solidFill>
-          </a:ln>
-        </p:spPr>
-        <p:style>
-          <a:lnRef idx="2">
-            <a:schemeClr val="accent1">
-              <a:shade val="50000"/>
-            </a:schemeClr>
-          </a:lnRef>
-          <a:fillRef idx="1">
-            <a:schemeClr val="accent1"/>
-          </a:fillRef>
-          <a:effectRef idx="0">
-            <a:schemeClr val="accent1"/>
-          </a:effectRef>
-          <a:fontRef idx="minor">
-            <a:schemeClr val="lt1"/>
-          </a:fontRef>
-        </p:style>
-        <p:txBody>
-          <a:bodyPr rtlCol="0" anchor="ctr"/>
-          <a:lstStyle/>
-          <a:p>
-            <a:pPr algn="ctr"/>
-            <a:endParaRPr lang="de-CH"/>
-          </a:p>
-        </p:txBody>
-      </p:sp>
-      <p:sp>
-        <p:nvSpPr>
-          <p:cNvPr id="58" name="Oval 57"/>
-          <p:cNvSpPr/>
-          <p:nvPr/>
-        </p:nvSpPr>
-        <p:spPr>
-          <a:xfrm>
-            <a:off x="3508750" y="5588521"/>
-            <a:ext cx="288032" cy="319390"/>
-          </a:xfrm>
-          <a:prstGeom prst="ellipse">
-            <a:avLst/>
-          </a:prstGeom>
-          <a:solidFill>
-            <a:schemeClr val="tx1">
-              <a:lumMod val="75000"/>
-              <a:lumOff val="25000"/>
-            </a:schemeClr>
-          </a:solidFill>
-          <a:ln>
-            <a:solidFill>
-              <a:schemeClr val="tx1"/>
-            </a:solidFill>
-          </a:ln>
-        </p:spPr>
-        <p:style>
-          <a:lnRef idx="2">
-            <a:schemeClr val="accent1">
-              <a:shade val="50000"/>
-            </a:schemeClr>
-          </a:lnRef>
-          <a:fillRef idx="1">
-            <a:schemeClr val="accent1"/>
-          </a:fillRef>
-          <a:effectRef idx="0">
-            <a:schemeClr val="accent1"/>
-          </a:effectRef>
-          <a:fontRef idx="minor">
-            <a:schemeClr val="lt1"/>
-          </a:fontRef>
-        </p:style>
-        <p:txBody>
-          <a:bodyPr rtlCol="0" anchor="ctr"/>
-          <a:lstStyle/>
-          <a:p>
-            <a:pPr algn="ctr"/>
-            <a:endParaRPr lang="de-CH"/>
-          </a:p>
-        </p:txBody>
-      </p:sp>
-      <p:sp>
-        <p:nvSpPr>
-          <p:cNvPr id="59" name="Oval 58"/>
-          <p:cNvSpPr/>
-          <p:nvPr/>
-        </p:nvSpPr>
-        <p:spPr>
-          <a:xfrm>
-            <a:off x="2854130" y="4633021"/>
-            <a:ext cx="288032" cy="319390"/>
-          </a:xfrm>
-          <a:prstGeom prst="ellipse">
-            <a:avLst/>
-          </a:prstGeom>
-          <a:solidFill>
-            <a:schemeClr val="tx1">
-              <a:lumMod val="75000"/>
-              <a:lumOff val="25000"/>
-            </a:schemeClr>
-          </a:solidFill>
-          <a:ln>
-            <a:solidFill>
-              <a:schemeClr val="tx1"/>
-            </a:solidFill>
-          </a:ln>
-        </p:spPr>
-        <p:style>
-          <a:lnRef idx="2">
-            <a:schemeClr val="accent1">
-              <a:shade val="50000"/>
-            </a:schemeClr>
-          </a:lnRef>
-          <a:fillRef idx="1">
-            <a:schemeClr val="accent1"/>
-          </a:fillRef>
-          <a:effectRef idx="0">
-            <a:schemeClr val="accent1"/>
-          </a:effectRef>
-          <a:fontRef idx="minor">
-            <a:schemeClr val="lt1"/>
-          </a:fontRef>
-        </p:style>
-        <p:txBody>
-          <a:bodyPr rtlCol="0" anchor="ctr"/>
-          <a:lstStyle/>
-          <a:p>
-            <a:pPr algn="ctr"/>
-            <a:endParaRPr lang="de-CH"/>
-          </a:p>
-        </p:txBody>
-      </p:sp>
-      <p:sp>
-        <p:nvSpPr>
-          <p:cNvPr id="60" name="Oval 59"/>
-          <p:cNvSpPr/>
-          <p:nvPr/>
-        </p:nvSpPr>
-        <p:spPr>
-          <a:xfrm>
-            <a:off x="4156812" y="4633021"/>
-            <a:ext cx="288032" cy="319390"/>
-          </a:xfrm>
-          <a:prstGeom prst="ellipse">
-            <a:avLst/>
-          </a:prstGeom>
-          <a:solidFill>
-            <a:schemeClr val="tx1">
-              <a:lumMod val="75000"/>
-              <a:lumOff val="25000"/>
-            </a:schemeClr>
-          </a:solidFill>
-          <a:ln>
-            <a:solidFill>
-              <a:schemeClr val="tx1"/>
-            </a:solidFill>
-          </a:ln>
-        </p:spPr>
-        <p:style>
-          <a:lnRef idx="2">
-            <a:schemeClr val="accent1">
-              <a:shade val="50000"/>
-            </a:schemeClr>
-          </a:lnRef>
-          <a:fillRef idx="1">
-            <a:schemeClr val="accent1"/>
-          </a:fillRef>
-          <a:effectRef idx="0">
-            <a:schemeClr val="accent1"/>
-          </a:effectRef>
-          <a:fontRef idx="minor">
-            <a:schemeClr val="lt1"/>
-          </a:fontRef>
-        </p:style>
-        <p:txBody>
-          <a:bodyPr rtlCol="0" anchor="ctr"/>
-          <a:lstStyle/>
-          <a:p>
-            <a:pPr algn="ctr"/>
-            <a:endParaRPr lang="de-CH"/>
-          </a:p>
-        </p:txBody>
-      </p:sp>
-      <p:sp>
-        <p:nvSpPr>
-          <p:cNvPr id="74" name="Rectangle 73"/>
-          <p:cNvSpPr/>
-          <p:nvPr/>
-        </p:nvSpPr>
-        <p:spPr>
-          <a:xfrm>
-            <a:off x="4881969" y="3429000"/>
-            <a:ext cx="1985425" cy="2904244"/>
-          </a:xfrm>
-          <a:prstGeom prst="rect">
-            <a:avLst/>
-          </a:prstGeom>
-          <a:solidFill>
-            <a:schemeClr val="bg1">
-              <a:lumMod val="95000"/>
-            </a:schemeClr>
-          </a:solidFill>
-          <a:ln>
-            <a:solidFill>
-              <a:schemeClr val="tx1"/>
-            </a:solidFill>
-          </a:ln>
-        </p:spPr>
-        <p:style>
-          <a:lnRef idx="2">
-            <a:schemeClr val="accent1">
-              <a:shade val="50000"/>
-            </a:schemeClr>
-          </a:lnRef>
-          <a:fillRef idx="1">
-            <a:schemeClr val="accent1"/>
-          </a:fillRef>
-          <a:effectRef idx="0">
-            <a:schemeClr val="accent1"/>
-          </a:effectRef>
-          <a:fontRef idx="minor">
-            <a:schemeClr val="lt1"/>
-          </a:fontRef>
-        </p:style>
-        <p:txBody>
-          <a:bodyPr rtlCol="0" anchor="ctr"/>
-          <a:lstStyle/>
-          <a:p>
-            <a:pPr algn="ctr"/>
-            <a:endParaRPr lang="de-CH"/>
-          </a:p>
-        </p:txBody>
-      </p:sp>
-      <p:sp>
-        <p:nvSpPr>
-          <p:cNvPr id="75" name="Freeform 74"/>
-          <p:cNvSpPr/>
-          <p:nvPr/>
-        </p:nvSpPr>
-        <p:spPr>
-          <a:xfrm>
-            <a:off x="5245610" y="3902184"/>
-            <a:ext cx="510604" cy="1751682"/>
-          </a:xfrm>
-          <a:custGeom>
-            <a:avLst/>
-            <a:gdLst>
-              <a:gd name="connsiteX0" fmla="*/ 473725 w 473725"/>
-              <a:gd name="connsiteY0" fmla="*/ 0 h 1751682"/>
-              <a:gd name="connsiteX1" fmla="*/ 0 w 473725"/>
-              <a:gd name="connsiteY1" fmla="*/ 859316 h 1751682"/>
-              <a:gd name="connsiteX2" fmla="*/ 473725 w 473725"/>
-              <a:gd name="connsiteY2" fmla="*/ 1751682 h 1751682"/>
-            </a:gdLst>
-            <a:ahLst/>
-            <a:cxnLst>
-              <a:cxn ang="0">
-                <a:pos x="connsiteX0" y="connsiteY0"/>
-              </a:cxn>
-              <a:cxn ang="0">
-                <a:pos x="connsiteX1" y="connsiteY1"/>
-              </a:cxn>
-              <a:cxn ang="0">
-                <a:pos x="connsiteX2" y="connsiteY2"/>
-              </a:cxn>
-            </a:cxnLst>
-            <a:rect l="l" t="t" r="r" b="b"/>
-            <a:pathLst>
-              <a:path w="473725" h="1751682">
-                <a:moveTo>
-                  <a:pt x="473725" y="0"/>
-                </a:moveTo>
-                <a:cubicBezTo>
-                  <a:pt x="236862" y="283684"/>
-                  <a:pt x="0" y="567369"/>
-                  <a:pt x="0" y="859316"/>
-                </a:cubicBezTo>
-                <a:cubicBezTo>
-                  <a:pt x="0" y="1151263"/>
-                  <a:pt x="236862" y="1451472"/>
-                  <a:pt x="473725" y="1751682"/>
-                </a:cubicBezTo>
-              </a:path>
-            </a:pathLst>
-          </a:custGeom>
-          <a:noFill/>
-          <a:ln>
-            <a:solidFill>
-              <a:schemeClr val="tx1"/>
-            </a:solidFill>
-            <a:headEnd type="none" w="med" len="med"/>
-            <a:tailEnd type="arrow" w="med" len="med"/>
-          </a:ln>
-        </p:spPr>
-        <p:style>
-          <a:lnRef idx="2">
-            <a:schemeClr val="accent1">
-              <a:shade val="50000"/>
-            </a:schemeClr>
-          </a:lnRef>
-          <a:fillRef idx="1">
-            <a:schemeClr val="accent1"/>
-          </a:fillRef>
-          <a:effectRef idx="0">
-            <a:schemeClr val="accent1"/>
-          </a:effectRef>
-          <a:fontRef idx="minor">
-            <a:schemeClr val="lt1"/>
-          </a:fontRef>
-        </p:style>
-        <p:txBody>
-          <a:bodyPr rtlCol="0" anchor="ctr"/>
-          <a:lstStyle/>
-          <a:p>
-            <a:pPr algn="ctr"/>
-            <a:endParaRPr lang="de-CH"/>
-          </a:p>
-        </p:txBody>
-      </p:sp>
-      <p:sp>
-        <p:nvSpPr>
-          <p:cNvPr id="76" name="Freeform 75"/>
-          <p:cNvSpPr/>
-          <p:nvPr/>
-        </p:nvSpPr>
-        <p:spPr>
-          <a:xfrm flipH="1">
-            <a:off x="6018315" y="3917417"/>
-            <a:ext cx="621958" cy="1751682"/>
-          </a:xfrm>
-          <a:custGeom>
-            <a:avLst/>
-            <a:gdLst>
-              <a:gd name="connsiteX0" fmla="*/ 473725 w 473725"/>
-              <a:gd name="connsiteY0" fmla="*/ 0 h 1751682"/>
-              <a:gd name="connsiteX1" fmla="*/ 0 w 473725"/>
-              <a:gd name="connsiteY1" fmla="*/ 859316 h 1751682"/>
-              <a:gd name="connsiteX2" fmla="*/ 473725 w 473725"/>
-              <a:gd name="connsiteY2" fmla="*/ 1751682 h 1751682"/>
-            </a:gdLst>
-            <a:ahLst/>
-            <a:cxnLst>
-              <a:cxn ang="0">
-                <a:pos x="connsiteX0" y="connsiteY0"/>
-              </a:cxn>
-              <a:cxn ang="0">
-                <a:pos x="connsiteX1" y="connsiteY1"/>
-              </a:cxn>
-              <a:cxn ang="0">
-                <a:pos x="connsiteX2" y="connsiteY2"/>
-              </a:cxn>
-            </a:cxnLst>
-            <a:rect l="l" t="t" r="r" b="b"/>
-            <a:pathLst>
-              <a:path w="473725" h="1751682">
-                <a:moveTo>
-                  <a:pt x="473725" y="0"/>
-                </a:moveTo>
-                <a:cubicBezTo>
-                  <a:pt x="236862" y="283684"/>
-                  <a:pt x="0" y="567369"/>
-                  <a:pt x="0" y="859316"/>
-                </a:cubicBezTo>
-                <a:cubicBezTo>
-                  <a:pt x="0" y="1151263"/>
-                  <a:pt x="236862" y="1451472"/>
-                  <a:pt x="473725" y="1751682"/>
-                </a:cubicBezTo>
-              </a:path>
-            </a:pathLst>
-          </a:custGeom>
-          <a:noFill/>
-          <a:ln>
-            <a:solidFill>
-              <a:schemeClr val="tx1"/>
-            </a:solidFill>
-            <a:headEnd type="none" w="med" len="med"/>
-            <a:tailEnd type="arrow" w="med" len="med"/>
-          </a:ln>
-        </p:spPr>
-        <p:style>
-          <a:lnRef idx="2">
-            <a:schemeClr val="accent1">
-              <a:shade val="50000"/>
-            </a:schemeClr>
-          </a:lnRef>
-          <a:fillRef idx="1">
-            <a:schemeClr val="accent1"/>
-          </a:fillRef>
-          <a:effectRef idx="0">
-            <a:schemeClr val="accent1"/>
-          </a:effectRef>
-          <a:fontRef idx="minor">
-            <a:schemeClr val="lt1"/>
-          </a:fontRef>
-        </p:style>
-        <p:txBody>
-          <a:bodyPr rtlCol="0" anchor="ctr"/>
-          <a:lstStyle/>
-          <a:p>
-            <a:pPr algn="ctr"/>
-            <a:endParaRPr lang="de-CH"/>
-          </a:p>
-        </p:txBody>
-      </p:sp>
-      <p:sp>
-        <p:nvSpPr>
-          <p:cNvPr id="77" name="Freeform 76"/>
-          <p:cNvSpPr/>
-          <p:nvPr/>
-        </p:nvSpPr>
-        <p:spPr>
-          <a:xfrm flipH="1">
-            <a:off x="6001555" y="3917417"/>
-            <a:ext cx="469558" cy="1751682"/>
-          </a:xfrm>
-          <a:custGeom>
-            <a:avLst/>
-            <a:gdLst>
-              <a:gd name="connsiteX0" fmla="*/ 473725 w 473725"/>
-              <a:gd name="connsiteY0" fmla="*/ 0 h 1751682"/>
-              <a:gd name="connsiteX1" fmla="*/ 0 w 473725"/>
-              <a:gd name="connsiteY1" fmla="*/ 859316 h 1751682"/>
-              <a:gd name="connsiteX2" fmla="*/ 473725 w 473725"/>
-              <a:gd name="connsiteY2" fmla="*/ 1751682 h 1751682"/>
-            </a:gdLst>
-            <a:ahLst/>
-            <a:cxnLst>
-              <a:cxn ang="0">
-                <a:pos x="connsiteX0" y="connsiteY0"/>
-              </a:cxn>
-              <a:cxn ang="0">
-                <a:pos x="connsiteX1" y="connsiteY1"/>
-              </a:cxn>
-              <a:cxn ang="0">
-                <a:pos x="connsiteX2" y="connsiteY2"/>
-              </a:cxn>
-            </a:cxnLst>
-            <a:rect l="l" t="t" r="r" b="b"/>
-            <a:pathLst>
-              <a:path w="473725" h="1751682">
-                <a:moveTo>
-                  <a:pt x="473725" y="0"/>
-                </a:moveTo>
-                <a:cubicBezTo>
-                  <a:pt x="236862" y="283684"/>
-                  <a:pt x="0" y="567369"/>
-                  <a:pt x="0" y="859316"/>
-                </a:cubicBezTo>
-                <a:cubicBezTo>
-                  <a:pt x="0" y="1151263"/>
-                  <a:pt x="236862" y="1451472"/>
-                  <a:pt x="473725" y="1751682"/>
-                </a:cubicBezTo>
-              </a:path>
-            </a:pathLst>
-          </a:custGeom>
-          <a:noFill/>
-          <a:ln>
-            <a:solidFill>
-              <a:schemeClr val="tx1"/>
-            </a:solidFill>
-            <a:headEnd type="none" w="med" len="med"/>
-            <a:tailEnd type="arrow" w="med" len="med"/>
-          </a:ln>
-        </p:spPr>
-        <p:style>
-          <a:lnRef idx="2">
-            <a:schemeClr val="accent1">
-              <a:shade val="50000"/>
-            </a:schemeClr>
-          </a:lnRef>
-          <a:fillRef idx="1">
-            <a:schemeClr val="accent1"/>
-          </a:fillRef>
-          <a:effectRef idx="0">
-            <a:schemeClr val="accent1"/>
-          </a:effectRef>
-          <a:fontRef idx="minor">
-            <a:schemeClr val="lt1"/>
-          </a:fontRef>
-        </p:style>
-        <p:txBody>
-          <a:bodyPr rtlCol="0" anchor="ctr"/>
-          <a:lstStyle/>
-          <a:p>
-            <a:pPr algn="ctr"/>
-            <a:endParaRPr lang="de-CH"/>
-          </a:p>
-        </p:txBody>
-      </p:sp>
-      <p:sp>
-        <p:nvSpPr>
-          <p:cNvPr id="78" name="Freeform 77"/>
-          <p:cNvSpPr/>
-          <p:nvPr/>
-        </p:nvSpPr>
-        <p:spPr>
-          <a:xfrm>
-            <a:off x="5348512" y="3910493"/>
-            <a:ext cx="407702" cy="1751682"/>
-          </a:xfrm>
-          <a:custGeom>
-            <a:avLst/>
-            <a:gdLst>
-              <a:gd name="connsiteX0" fmla="*/ 473725 w 473725"/>
-              <a:gd name="connsiteY0" fmla="*/ 0 h 1751682"/>
-              <a:gd name="connsiteX1" fmla="*/ 0 w 473725"/>
-              <a:gd name="connsiteY1" fmla="*/ 859316 h 1751682"/>
-              <a:gd name="connsiteX2" fmla="*/ 473725 w 473725"/>
-              <a:gd name="connsiteY2" fmla="*/ 1751682 h 1751682"/>
-            </a:gdLst>
-            <a:ahLst/>
-            <a:cxnLst>
-              <a:cxn ang="0">
-                <a:pos x="connsiteX0" y="connsiteY0"/>
-              </a:cxn>
-              <a:cxn ang="0">
-                <a:pos x="connsiteX1" y="connsiteY1"/>
-              </a:cxn>
-              <a:cxn ang="0">
-                <a:pos x="connsiteX2" y="connsiteY2"/>
-              </a:cxn>
-            </a:cxnLst>
-            <a:rect l="l" t="t" r="r" b="b"/>
-            <a:pathLst>
-              <a:path w="473725" h="1751682">
-                <a:moveTo>
-                  <a:pt x="473725" y="0"/>
-                </a:moveTo>
-                <a:cubicBezTo>
-                  <a:pt x="236862" y="283684"/>
-                  <a:pt x="0" y="567369"/>
-                  <a:pt x="0" y="859316"/>
-                </a:cubicBezTo>
-                <a:cubicBezTo>
-                  <a:pt x="0" y="1151263"/>
-                  <a:pt x="236862" y="1451472"/>
-                  <a:pt x="473725" y="1751682"/>
-                </a:cubicBezTo>
-              </a:path>
-            </a:pathLst>
-          </a:custGeom>
-          <a:noFill/>
-          <a:ln>
-            <a:solidFill>
-              <a:schemeClr val="tx1"/>
-            </a:solidFill>
-            <a:headEnd type="none" w="med" len="med"/>
-            <a:tailEnd type="arrow" w="med" len="med"/>
-          </a:ln>
-        </p:spPr>
-        <p:style>
-          <a:lnRef idx="2">
-            <a:schemeClr val="accent1">
-              <a:shade val="50000"/>
-            </a:schemeClr>
-          </a:lnRef>
-          <a:fillRef idx="1">
-            <a:schemeClr val="accent1"/>
-          </a:fillRef>
-          <a:effectRef idx="0">
-            <a:schemeClr val="accent1"/>
-          </a:effectRef>
-          <a:fontRef idx="minor">
-            <a:schemeClr val="lt1"/>
-          </a:fontRef>
-        </p:style>
-        <p:txBody>
-          <a:bodyPr rtlCol="0" anchor="ctr"/>
-          <a:lstStyle/>
-          <a:p>
-            <a:pPr algn="ctr"/>
-            <a:endParaRPr lang="de-CH"/>
-          </a:p>
-        </p:txBody>
-      </p:sp>
-      <p:sp>
-        <p:nvSpPr>
-          <p:cNvPr id="79" name="Freeform 78"/>
-          <p:cNvSpPr/>
-          <p:nvPr/>
-        </p:nvSpPr>
-        <p:spPr>
-          <a:xfrm>
-            <a:off x="5130171" y="3902184"/>
-            <a:ext cx="626043" cy="1751682"/>
-          </a:xfrm>
-          <a:custGeom>
-            <a:avLst/>
-            <a:gdLst>
-              <a:gd name="connsiteX0" fmla="*/ 473725 w 473725"/>
-              <a:gd name="connsiteY0" fmla="*/ 0 h 1751682"/>
-              <a:gd name="connsiteX1" fmla="*/ 0 w 473725"/>
-              <a:gd name="connsiteY1" fmla="*/ 859316 h 1751682"/>
-              <a:gd name="connsiteX2" fmla="*/ 473725 w 473725"/>
-              <a:gd name="connsiteY2" fmla="*/ 1751682 h 1751682"/>
-            </a:gdLst>
-            <a:ahLst/>
-            <a:cxnLst>
-              <a:cxn ang="0">
-                <a:pos x="connsiteX0" y="connsiteY0"/>
-              </a:cxn>
-              <a:cxn ang="0">
-                <a:pos x="connsiteX1" y="connsiteY1"/>
-              </a:cxn>
-              <a:cxn ang="0">
-                <a:pos x="connsiteX2" y="connsiteY2"/>
-              </a:cxn>
-            </a:cxnLst>
-            <a:rect l="l" t="t" r="r" b="b"/>
-            <a:pathLst>
-              <a:path w="473725" h="1751682">
-                <a:moveTo>
-                  <a:pt x="473725" y="0"/>
-                </a:moveTo>
-                <a:cubicBezTo>
-                  <a:pt x="236862" y="283684"/>
-                  <a:pt x="0" y="567369"/>
-                  <a:pt x="0" y="859316"/>
-                </a:cubicBezTo>
-                <a:cubicBezTo>
-                  <a:pt x="0" y="1151263"/>
-                  <a:pt x="236862" y="1451472"/>
-                  <a:pt x="473725" y="1751682"/>
-                </a:cubicBezTo>
-              </a:path>
-            </a:pathLst>
-          </a:custGeom>
-          <a:noFill/>
-          <a:ln>
-            <a:solidFill>
-              <a:schemeClr val="tx1"/>
-            </a:solidFill>
-            <a:headEnd type="none" w="med" len="med"/>
-            <a:tailEnd type="arrow" w="med" len="med"/>
-          </a:ln>
-        </p:spPr>
-        <p:style>
-          <a:lnRef idx="2">
-            <a:schemeClr val="accent1">
-              <a:shade val="50000"/>
-            </a:schemeClr>
-          </a:lnRef>
-          <a:fillRef idx="1">
-            <a:schemeClr val="accent1"/>
-          </a:fillRef>
-          <a:effectRef idx="0">
-            <a:schemeClr val="accent1"/>
-          </a:effectRef>
-          <a:fontRef idx="minor">
-            <a:schemeClr val="lt1"/>
-          </a:fontRef>
-        </p:style>
-        <p:txBody>
-          <a:bodyPr rtlCol="0" anchor="ctr"/>
-          <a:lstStyle/>
-          <a:p>
-            <a:pPr algn="ctr"/>
-            <a:endParaRPr lang="de-CH"/>
-          </a:p>
-        </p:txBody>
-      </p:sp>
-      <p:sp>
-        <p:nvSpPr>
-          <p:cNvPr id="80" name="Oval 79"/>
-          <p:cNvSpPr/>
-          <p:nvPr/>
-        </p:nvSpPr>
-        <p:spPr>
-          <a:xfrm>
-            <a:off x="5730283" y="3716855"/>
-            <a:ext cx="288032" cy="319390"/>
-          </a:xfrm>
-          <a:prstGeom prst="ellipse">
-            <a:avLst/>
-          </a:prstGeom>
-          <a:solidFill>
-            <a:schemeClr val="tx1">
-              <a:lumMod val="75000"/>
-              <a:lumOff val="25000"/>
-            </a:schemeClr>
-          </a:solidFill>
-          <a:ln>
-            <a:solidFill>
-              <a:schemeClr val="tx1"/>
-            </a:solidFill>
-          </a:ln>
-        </p:spPr>
-        <p:style>
-          <a:lnRef idx="2">
-            <a:schemeClr val="accent1">
-              <a:shade val="50000"/>
-            </a:schemeClr>
-          </a:lnRef>
-          <a:fillRef idx="1">
-            <a:schemeClr val="accent1"/>
-          </a:fillRef>
-          <a:effectRef idx="0">
-            <a:schemeClr val="accent1"/>
-          </a:effectRef>
-          <a:fontRef idx="minor">
-            <a:schemeClr val="lt1"/>
-          </a:fontRef>
-        </p:style>
-        <p:txBody>
-          <a:bodyPr rtlCol="0" anchor="ctr"/>
-          <a:lstStyle/>
-          <a:p>
-            <a:pPr algn="ctr"/>
-            <a:endParaRPr lang="de-CH"/>
-          </a:p>
-        </p:txBody>
-      </p:sp>
-      <p:sp>
-        <p:nvSpPr>
-          <p:cNvPr id="81" name="Oval 80"/>
-          <p:cNvSpPr/>
-          <p:nvPr/>
-        </p:nvSpPr>
-        <p:spPr>
-          <a:xfrm>
-            <a:off x="5756214" y="5589063"/>
-            <a:ext cx="288032" cy="319390"/>
-          </a:xfrm>
-          <a:prstGeom prst="ellipse">
-            <a:avLst/>
-          </a:prstGeom>
-          <a:solidFill>
-            <a:schemeClr val="tx1">
-              <a:lumMod val="75000"/>
-              <a:lumOff val="25000"/>
-            </a:schemeClr>
-          </a:solidFill>
-          <a:ln>
-            <a:solidFill>
-              <a:schemeClr val="tx1"/>
-            </a:solidFill>
-          </a:ln>
-        </p:spPr>
-        <p:style>
-          <a:lnRef idx="2">
-            <a:schemeClr val="accent1">
-              <a:shade val="50000"/>
-            </a:schemeClr>
-          </a:lnRef>
-          <a:fillRef idx="1">
-            <a:schemeClr val="accent1"/>
-          </a:fillRef>
-          <a:effectRef idx="0">
-            <a:schemeClr val="accent1"/>
-          </a:effectRef>
-          <a:fontRef idx="minor">
-            <a:schemeClr val="lt1"/>
-          </a:fontRef>
-        </p:style>
-        <p:txBody>
-          <a:bodyPr rtlCol="0" anchor="ctr"/>
-          <a:lstStyle/>
-          <a:p>
-            <a:pPr algn="ctr"/>
-            <a:endParaRPr lang="de-CH"/>
-          </a:p>
-        </p:txBody>
-      </p:sp>
-      <p:sp>
-        <p:nvSpPr>
-          <p:cNvPr id="82" name="Oval 81"/>
-          <p:cNvSpPr/>
-          <p:nvPr/>
-        </p:nvSpPr>
-        <p:spPr>
-          <a:xfrm>
-            <a:off x="5101594" y="4633563"/>
-            <a:ext cx="288032" cy="319390"/>
-          </a:xfrm>
-          <a:prstGeom prst="ellipse">
-            <a:avLst/>
-          </a:prstGeom>
-          <a:solidFill>
-            <a:schemeClr val="tx1">
-              <a:lumMod val="75000"/>
-              <a:lumOff val="25000"/>
-            </a:schemeClr>
-          </a:solidFill>
-          <a:ln>
-            <a:solidFill>
-              <a:schemeClr val="tx1"/>
-            </a:solidFill>
-          </a:ln>
-        </p:spPr>
-        <p:style>
-          <a:lnRef idx="2">
-            <a:schemeClr val="accent1">
-              <a:shade val="50000"/>
-            </a:schemeClr>
-          </a:lnRef>
-          <a:fillRef idx="1">
-            <a:schemeClr val="accent1"/>
-          </a:fillRef>
-          <a:effectRef idx="0">
-            <a:schemeClr val="accent1"/>
-          </a:effectRef>
-          <a:fontRef idx="minor">
-            <a:schemeClr val="lt1"/>
-          </a:fontRef>
-        </p:style>
-        <p:txBody>
-          <a:bodyPr rtlCol="0" anchor="ctr"/>
-          <a:lstStyle/>
-          <a:p>
-            <a:pPr algn="ctr"/>
-            <a:endParaRPr lang="de-CH"/>
-          </a:p>
-        </p:txBody>
-      </p:sp>
-      <p:sp>
-        <p:nvSpPr>
-          <p:cNvPr id="83" name="Oval 82"/>
-          <p:cNvSpPr/>
-          <p:nvPr/>
-        </p:nvSpPr>
-        <p:spPr>
-          <a:xfrm>
-            <a:off x="6404276" y="4633563"/>
-            <a:ext cx="288032" cy="319390"/>
-          </a:xfrm>
-          <a:prstGeom prst="ellipse">
-            <a:avLst/>
-          </a:prstGeom>
-          <a:solidFill>
-            <a:schemeClr val="tx1">
-              <a:lumMod val="75000"/>
-              <a:lumOff val="25000"/>
-            </a:schemeClr>
-          </a:solidFill>
-          <a:ln>
-            <a:solidFill>
-              <a:schemeClr val="tx1"/>
-            </a:solidFill>
-          </a:ln>
-        </p:spPr>
-        <p:style>
-          <a:lnRef idx="2">
-            <a:schemeClr val="accent1">
-              <a:shade val="50000"/>
-            </a:schemeClr>
-          </a:lnRef>
-          <a:fillRef idx="1">
-            <a:schemeClr val="accent1"/>
-          </a:fillRef>
-          <a:effectRef idx="0">
-            <a:schemeClr val="accent1"/>
-          </a:effectRef>
-          <a:fontRef idx="minor">
-            <a:schemeClr val="lt1"/>
-          </a:fontRef>
-        </p:style>
-        <p:txBody>
-          <a:bodyPr rtlCol="0" anchor="ctr"/>
-          <a:lstStyle/>
-          <a:p>
-            <a:pPr algn="ctr"/>
-            <a:endParaRPr lang="de-CH"/>
-          </a:p>
-        </p:txBody>
-      </p:sp>
-      <p:sp>
-        <p:nvSpPr>
-          <p:cNvPr id="84" name="Freeform 83"/>
-          <p:cNvSpPr/>
-          <p:nvPr/>
-        </p:nvSpPr>
-        <p:spPr>
-          <a:xfrm>
-            <a:off x="5051757" y="3935185"/>
-            <a:ext cx="678526" cy="1718681"/>
-          </a:xfrm>
-          <a:custGeom>
-            <a:avLst/>
-            <a:gdLst>
-              <a:gd name="connsiteX0" fmla="*/ 473725 w 473725"/>
-              <a:gd name="connsiteY0" fmla="*/ 0 h 1751682"/>
-              <a:gd name="connsiteX1" fmla="*/ 0 w 473725"/>
-              <a:gd name="connsiteY1" fmla="*/ 859316 h 1751682"/>
-              <a:gd name="connsiteX2" fmla="*/ 473725 w 473725"/>
-              <a:gd name="connsiteY2" fmla="*/ 1751682 h 1751682"/>
-            </a:gdLst>
-            <a:ahLst/>
-            <a:cxnLst>
-              <a:cxn ang="0">
-                <a:pos x="connsiteX0" y="connsiteY0"/>
-              </a:cxn>
-              <a:cxn ang="0">
-                <a:pos x="connsiteX1" y="connsiteY1"/>
-              </a:cxn>
-              <a:cxn ang="0">
-                <a:pos x="connsiteX2" y="connsiteY2"/>
-              </a:cxn>
-            </a:cxnLst>
-            <a:rect l="l" t="t" r="r" b="b"/>
-            <a:pathLst>
-              <a:path w="473725" h="1751682">
-                <a:moveTo>
-                  <a:pt x="473725" y="0"/>
-                </a:moveTo>
-                <a:cubicBezTo>
-                  <a:pt x="236862" y="283684"/>
-                  <a:pt x="0" y="567369"/>
-                  <a:pt x="0" y="859316"/>
-                </a:cubicBezTo>
-                <a:cubicBezTo>
-                  <a:pt x="0" y="1151263"/>
-                  <a:pt x="236862" y="1451472"/>
-                  <a:pt x="473725" y="1751682"/>
-                </a:cubicBezTo>
-              </a:path>
-            </a:pathLst>
-          </a:custGeom>
-          <a:noFill/>
-          <a:ln>
-            <a:solidFill>
-              <a:schemeClr val="tx1"/>
-            </a:solidFill>
-            <a:headEnd type="none" w="med" len="med"/>
-            <a:tailEnd type="arrow" w="med" len="med"/>
-          </a:ln>
-        </p:spPr>
-        <p:style>
-          <a:lnRef idx="2">
-            <a:schemeClr val="accent1">
-              <a:shade val="50000"/>
-            </a:schemeClr>
-          </a:lnRef>
-          <a:fillRef idx="1">
-            <a:schemeClr val="accent1"/>
-          </a:fillRef>
-          <a:effectRef idx="0">
-            <a:schemeClr val="accent1"/>
-          </a:effectRef>
-          <a:fontRef idx="minor">
-            <a:schemeClr val="lt1"/>
-          </a:fontRef>
-        </p:style>
-        <p:txBody>
-          <a:bodyPr rtlCol="0" anchor="ctr"/>
-          <a:lstStyle/>
-          <a:p>
-            <a:pPr algn="ctr"/>
-            <a:endParaRPr lang="de-CH"/>
-          </a:p>
-        </p:txBody>
-      </p:sp>
-      <p:sp>
-        <p:nvSpPr>
-          <p:cNvPr id="85" name="Freeform 84"/>
-          <p:cNvSpPr/>
-          <p:nvPr/>
-        </p:nvSpPr>
-        <p:spPr>
-          <a:xfrm>
-            <a:off x="5415938" y="3910493"/>
-            <a:ext cx="340276" cy="1751682"/>
-          </a:xfrm>
-          <a:custGeom>
-            <a:avLst/>
-            <a:gdLst>
-              <a:gd name="connsiteX0" fmla="*/ 473725 w 473725"/>
-              <a:gd name="connsiteY0" fmla="*/ 0 h 1751682"/>
-              <a:gd name="connsiteX1" fmla="*/ 0 w 473725"/>
-              <a:gd name="connsiteY1" fmla="*/ 859316 h 1751682"/>
-              <a:gd name="connsiteX2" fmla="*/ 473725 w 473725"/>
-              <a:gd name="connsiteY2" fmla="*/ 1751682 h 1751682"/>
-            </a:gdLst>
-            <a:ahLst/>
-            <a:cxnLst>
-              <a:cxn ang="0">
-                <a:pos x="connsiteX0" y="connsiteY0"/>
-              </a:cxn>
-              <a:cxn ang="0">
-                <a:pos x="connsiteX1" y="connsiteY1"/>
-              </a:cxn>
-              <a:cxn ang="0">
-                <a:pos x="connsiteX2" y="connsiteY2"/>
-              </a:cxn>
-            </a:cxnLst>
-            <a:rect l="l" t="t" r="r" b="b"/>
-            <a:pathLst>
-              <a:path w="473725" h="1751682">
-                <a:moveTo>
-                  <a:pt x="473725" y="0"/>
-                </a:moveTo>
-                <a:cubicBezTo>
-                  <a:pt x="236862" y="283684"/>
-                  <a:pt x="0" y="567369"/>
-                  <a:pt x="0" y="859316"/>
-                </a:cubicBezTo>
-                <a:cubicBezTo>
-                  <a:pt x="0" y="1151263"/>
-                  <a:pt x="236862" y="1451472"/>
-                  <a:pt x="473725" y="1751682"/>
-                </a:cubicBezTo>
-              </a:path>
-            </a:pathLst>
-          </a:custGeom>
-          <a:noFill/>
-          <a:ln>
-            <a:solidFill>
-              <a:schemeClr val="tx1"/>
-            </a:solidFill>
-            <a:headEnd type="none" w="med" len="med"/>
-            <a:tailEnd type="arrow" w="med" len="med"/>
-          </a:ln>
-        </p:spPr>
-        <p:style>
-          <a:lnRef idx="2">
-            <a:schemeClr val="accent1">
-              <a:shade val="50000"/>
-            </a:schemeClr>
-          </a:lnRef>
-          <a:fillRef idx="1">
-            <a:schemeClr val="accent1"/>
-          </a:fillRef>
-          <a:effectRef idx="0">
-            <a:schemeClr val="accent1"/>
-          </a:effectRef>
-          <a:fontRef idx="minor">
-            <a:schemeClr val="lt1"/>
-          </a:fontRef>
-        </p:style>
-        <p:txBody>
-          <a:bodyPr rtlCol="0" anchor="ctr"/>
-          <a:lstStyle/>
-          <a:p>
-            <a:pPr algn="ctr"/>
-            <a:endParaRPr lang="de-CH"/>
-          </a:p>
-        </p:txBody>
-      </p:sp>
-      <p:sp>
-        <p:nvSpPr>
           <p:cNvPr id="86" name="TextBox 85"/>
           <p:cNvSpPr txBox="1"/>
           <p:nvPr/>
@@ -5768,92 +3766,6 @@
                 <a:cs typeface="Times New Roman" panose="02020603050405020304" pitchFamily="18" charset="0"/>
               </a:rPr>
               <a:t>1 left, 2 right</a:t>
-            </a:r>
-            <a:endParaRPr lang="de-CH" sz="2400" dirty="0">
-              <a:latin typeface="Times New Roman" panose="02020603050405020304" pitchFamily="18" charset="0"/>
-              <a:cs typeface="Times New Roman" panose="02020603050405020304" pitchFamily="18" charset="0"/>
-            </a:endParaRPr>
-          </a:p>
-        </p:txBody>
-      </p:sp>
-      <p:sp>
-        <p:nvSpPr>
-          <p:cNvPr id="87" name="TextBox 86"/>
-          <p:cNvSpPr txBox="1"/>
-          <p:nvPr/>
-        </p:nvSpPr>
-        <p:spPr>
-          <a:xfrm>
-            <a:off x="2778036" y="5907911"/>
-            <a:ext cx="1789272" cy="461665"/>
-          </a:xfrm>
-          <a:prstGeom prst="rect">
-            <a:avLst/>
-          </a:prstGeom>
-          <a:noFill/>
-        </p:spPr>
-        <p:txBody>
-          <a:bodyPr wrap="none" rtlCol="0">
-            <a:spAutoFit/>
-          </a:bodyPr>
-          <a:lstStyle/>
-          <a:p>
-            <a:r>
-              <a:rPr lang="de-CH" sz="2400" dirty="0">
-                <a:latin typeface="Times New Roman" panose="02020603050405020304" pitchFamily="18" charset="0"/>
-                <a:cs typeface="Times New Roman" panose="02020603050405020304" pitchFamily="18" charset="0"/>
-              </a:rPr>
-              <a:t>3</a:t>
-            </a:r>
-            <a:r>
-              <a:rPr lang="de-CH" sz="2400" dirty="0" smtClean="0">
-                <a:latin typeface="Times New Roman" panose="02020603050405020304" pitchFamily="18" charset="0"/>
-                <a:cs typeface="Times New Roman" panose="02020603050405020304" pitchFamily="18" charset="0"/>
-              </a:rPr>
-              <a:t> left, 2 right</a:t>
-            </a:r>
-            <a:endParaRPr lang="de-CH" sz="2400" dirty="0">
-              <a:latin typeface="Times New Roman" panose="02020603050405020304" pitchFamily="18" charset="0"/>
-              <a:cs typeface="Times New Roman" panose="02020603050405020304" pitchFamily="18" charset="0"/>
-            </a:endParaRPr>
-          </a:p>
-        </p:txBody>
-      </p:sp>
-      <p:sp>
-        <p:nvSpPr>
-          <p:cNvPr id="88" name="TextBox 87"/>
-          <p:cNvSpPr txBox="1"/>
-          <p:nvPr/>
-        </p:nvSpPr>
-        <p:spPr>
-          <a:xfrm>
-            <a:off x="5033107" y="5914996"/>
-            <a:ext cx="1789272" cy="461665"/>
-          </a:xfrm>
-          <a:prstGeom prst="rect">
-            <a:avLst/>
-          </a:prstGeom>
-          <a:noFill/>
-        </p:spPr>
-        <p:txBody>
-          <a:bodyPr wrap="none" rtlCol="0">
-            <a:spAutoFit/>
-          </a:bodyPr>
-          <a:lstStyle/>
-          <a:p>
-            <a:r>
-              <a:rPr lang="de-CH" sz="2400" dirty="0">
-                <a:latin typeface="Times New Roman" panose="02020603050405020304" pitchFamily="18" charset="0"/>
-                <a:cs typeface="Times New Roman" panose="02020603050405020304" pitchFamily="18" charset="0"/>
-              </a:rPr>
-              <a:t>5</a:t>
-            </a:r>
-            <a:r>
-              <a:rPr lang="de-CH" sz="2400" dirty="0" smtClean="0">
-                <a:latin typeface="Times New Roman" panose="02020603050405020304" pitchFamily="18" charset="0"/>
-                <a:cs typeface="Times New Roman" panose="02020603050405020304" pitchFamily="18" charset="0"/>
-              </a:rPr>
-              <a:t> left, 2 right</a:t>
             </a:r>
             <a:endParaRPr lang="de-CH" sz="2400" dirty="0">
               <a:latin typeface="Times New Roman" panose="02020603050405020304" pitchFamily="18" charset="0"/>
@@ -6275,6 +4187,1028 @@
               <a:latin typeface="Times New Roman" panose="02020603050405020304" pitchFamily="18" charset="0"/>
               <a:cs typeface="Times New Roman" panose="02020603050405020304" pitchFamily="18" charset="0"/>
             </a:endParaRPr>
+          </a:p>
+        </p:txBody>
+      </p:sp>
+      <p:sp>
+        <p:nvSpPr>
+          <p:cNvPr id="4" name="Freeform 3"/>
+          <p:cNvSpPr/>
+          <p:nvPr/>
+        </p:nvSpPr>
+        <p:spPr>
+          <a:xfrm>
+            <a:off x="755576" y="3866920"/>
+            <a:ext cx="720684" cy="1806767"/>
+          </a:xfrm>
+          <a:custGeom>
+            <a:avLst/>
+            <a:gdLst>
+              <a:gd name="connsiteX0" fmla="*/ 903983 w 903983"/>
+              <a:gd name="connsiteY0" fmla="*/ 0 h 1806767"/>
+              <a:gd name="connsiteX1" fmla="*/ 600 w 903983"/>
+              <a:gd name="connsiteY1" fmla="*/ 837282 h 1806767"/>
+              <a:gd name="connsiteX2" fmla="*/ 793815 w 903983"/>
+              <a:gd name="connsiteY2" fmla="*/ 1806767 h 1806767"/>
+            </a:gdLst>
+            <a:ahLst/>
+            <a:cxnLst>
+              <a:cxn ang="0">
+                <a:pos x="connsiteX0" y="connsiteY0"/>
+              </a:cxn>
+              <a:cxn ang="0">
+                <a:pos x="connsiteX1" y="connsiteY1"/>
+              </a:cxn>
+              <a:cxn ang="0">
+                <a:pos x="connsiteX2" y="connsiteY2"/>
+              </a:cxn>
+            </a:cxnLst>
+            <a:rect l="l" t="t" r="r" b="b"/>
+            <a:pathLst>
+              <a:path w="903983" h="1806767">
+                <a:moveTo>
+                  <a:pt x="903983" y="0"/>
+                </a:moveTo>
+                <a:cubicBezTo>
+                  <a:pt x="461472" y="268077"/>
+                  <a:pt x="18961" y="536154"/>
+                  <a:pt x="600" y="837282"/>
+                </a:cubicBezTo>
+                <a:cubicBezTo>
+                  <a:pt x="-17761" y="1138410"/>
+                  <a:pt x="388027" y="1472588"/>
+                  <a:pt x="793815" y="1806767"/>
+                </a:cubicBezTo>
+              </a:path>
+            </a:pathLst>
+          </a:custGeom>
+          <a:noFill/>
+          <a:ln w="19050">
+            <a:solidFill>
+              <a:schemeClr val="tx1"/>
+            </a:solidFill>
+            <a:headEnd type="none" w="med" len="med"/>
+            <a:tailEnd type="arrow" w="med" len="med"/>
+          </a:ln>
+        </p:spPr>
+        <p:style>
+          <a:lnRef idx="2">
+            <a:schemeClr val="accent1">
+              <a:shade val="50000"/>
+            </a:schemeClr>
+          </a:lnRef>
+          <a:fillRef idx="1">
+            <a:schemeClr val="accent1"/>
+          </a:fillRef>
+          <a:effectRef idx="0">
+            <a:schemeClr val="accent1"/>
+          </a:effectRef>
+          <a:fontRef idx="minor">
+            <a:schemeClr val="lt1"/>
+          </a:fontRef>
+        </p:style>
+        <p:txBody>
+          <a:bodyPr rtlCol="0" anchor="ctr"/>
+          <a:lstStyle/>
+          <a:p>
+            <a:pPr algn="ctr"/>
+            <a:endParaRPr lang="de-CH"/>
+          </a:p>
+        </p:txBody>
+      </p:sp>
+      <p:sp>
+        <p:nvSpPr>
+          <p:cNvPr id="53" name="Freeform 52"/>
+          <p:cNvSpPr/>
+          <p:nvPr/>
+        </p:nvSpPr>
+        <p:spPr>
+          <a:xfrm flipH="1">
+            <a:off x="1518268" y="3866920"/>
+            <a:ext cx="754986" cy="1806767"/>
+          </a:xfrm>
+          <a:custGeom>
+            <a:avLst/>
+            <a:gdLst>
+              <a:gd name="connsiteX0" fmla="*/ 903983 w 903983"/>
+              <a:gd name="connsiteY0" fmla="*/ 0 h 1806767"/>
+              <a:gd name="connsiteX1" fmla="*/ 600 w 903983"/>
+              <a:gd name="connsiteY1" fmla="*/ 837282 h 1806767"/>
+              <a:gd name="connsiteX2" fmla="*/ 793815 w 903983"/>
+              <a:gd name="connsiteY2" fmla="*/ 1806767 h 1806767"/>
+            </a:gdLst>
+            <a:ahLst/>
+            <a:cxnLst>
+              <a:cxn ang="0">
+                <a:pos x="connsiteX0" y="connsiteY0"/>
+              </a:cxn>
+              <a:cxn ang="0">
+                <a:pos x="connsiteX1" y="connsiteY1"/>
+              </a:cxn>
+              <a:cxn ang="0">
+                <a:pos x="connsiteX2" y="connsiteY2"/>
+              </a:cxn>
+            </a:cxnLst>
+            <a:rect l="l" t="t" r="r" b="b"/>
+            <a:pathLst>
+              <a:path w="903983" h="1806767">
+                <a:moveTo>
+                  <a:pt x="903983" y="0"/>
+                </a:moveTo>
+                <a:cubicBezTo>
+                  <a:pt x="461472" y="268077"/>
+                  <a:pt x="18961" y="536154"/>
+                  <a:pt x="600" y="837282"/>
+                </a:cubicBezTo>
+                <a:cubicBezTo>
+                  <a:pt x="-17761" y="1138410"/>
+                  <a:pt x="388027" y="1472588"/>
+                  <a:pt x="793815" y="1806767"/>
+                </a:cubicBezTo>
+              </a:path>
+            </a:pathLst>
+          </a:custGeom>
+          <a:noFill/>
+          <a:ln w="57150">
+            <a:solidFill>
+              <a:schemeClr val="tx1"/>
+            </a:solidFill>
+            <a:headEnd type="none" w="med" len="med"/>
+            <a:tailEnd type="arrow" w="med" len="med"/>
+          </a:ln>
+        </p:spPr>
+        <p:style>
+          <a:lnRef idx="2">
+            <a:schemeClr val="accent1">
+              <a:shade val="50000"/>
+            </a:schemeClr>
+          </a:lnRef>
+          <a:fillRef idx="1">
+            <a:schemeClr val="accent1"/>
+          </a:fillRef>
+          <a:effectRef idx="0">
+            <a:schemeClr val="accent1"/>
+          </a:effectRef>
+          <a:fontRef idx="minor">
+            <a:schemeClr val="lt1"/>
+          </a:fontRef>
+        </p:style>
+        <p:txBody>
+          <a:bodyPr rtlCol="0" anchor="ctr"/>
+          <a:lstStyle/>
+          <a:p>
+            <a:pPr algn="ctr"/>
+            <a:endParaRPr lang="de-CH"/>
+          </a:p>
+        </p:txBody>
+      </p:sp>
+      <p:sp>
+        <p:nvSpPr>
+          <p:cNvPr id="44" name="Oval 43"/>
+          <p:cNvSpPr/>
+          <p:nvPr/>
+        </p:nvSpPr>
+        <p:spPr>
+          <a:xfrm>
+            <a:off x="1370925" y="5588521"/>
+            <a:ext cx="288032" cy="319390"/>
+          </a:xfrm>
+          <a:prstGeom prst="ellipse">
+            <a:avLst/>
+          </a:prstGeom>
+          <a:solidFill>
+            <a:schemeClr val="tx1">
+              <a:lumMod val="75000"/>
+              <a:lumOff val="25000"/>
+            </a:schemeClr>
+          </a:solidFill>
+          <a:ln>
+            <a:solidFill>
+              <a:schemeClr val="tx1"/>
+            </a:solidFill>
+          </a:ln>
+        </p:spPr>
+        <p:style>
+          <a:lnRef idx="2">
+            <a:schemeClr val="accent1">
+              <a:shade val="50000"/>
+            </a:schemeClr>
+          </a:lnRef>
+          <a:fillRef idx="1">
+            <a:schemeClr val="accent1"/>
+          </a:fillRef>
+          <a:effectRef idx="0">
+            <a:schemeClr val="accent1"/>
+          </a:effectRef>
+          <a:fontRef idx="minor">
+            <a:schemeClr val="lt1"/>
+          </a:fontRef>
+        </p:style>
+        <p:txBody>
+          <a:bodyPr rtlCol="0" anchor="ctr"/>
+          <a:lstStyle/>
+          <a:p>
+            <a:pPr algn="ctr"/>
+            <a:endParaRPr lang="de-CH"/>
+          </a:p>
+        </p:txBody>
+      </p:sp>
+      <p:sp>
+        <p:nvSpPr>
+          <p:cNvPr id="22" name="Oval 21"/>
+          <p:cNvSpPr/>
+          <p:nvPr/>
+        </p:nvSpPr>
+        <p:spPr>
+          <a:xfrm>
+            <a:off x="1344994" y="3716313"/>
+            <a:ext cx="288032" cy="319390"/>
+          </a:xfrm>
+          <a:prstGeom prst="ellipse">
+            <a:avLst/>
+          </a:prstGeom>
+          <a:solidFill>
+            <a:schemeClr val="tx1">
+              <a:lumMod val="75000"/>
+              <a:lumOff val="25000"/>
+            </a:schemeClr>
+          </a:solidFill>
+          <a:ln>
+            <a:solidFill>
+              <a:schemeClr val="tx1"/>
+            </a:solidFill>
+          </a:ln>
+        </p:spPr>
+        <p:style>
+          <a:lnRef idx="2">
+            <a:schemeClr val="accent1">
+              <a:shade val="50000"/>
+            </a:schemeClr>
+          </a:lnRef>
+          <a:fillRef idx="1">
+            <a:schemeClr val="accent1"/>
+          </a:fillRef>
+          <a:effectRef idx="0">
+            <a:schemeClr val="accent1"/>
+          </a:effectRef>
+          <a:fontRef idx="minor">
+            <a:schemeClr val="lt1"/>
+          </a:fontRef>
+        </p:style>
+        <p:txBody>
+          <a:bodyPr rtlCol="0" anchor="ctr"/>
+          <a:lstStyle/>
+          <a:p>
+            <a:pPr algn="ctr"/>
+            <a:endParaRPr lang="de-CH"/>
+          </a:p>
+        </p:txBody>
+      </p:sp>
+      <p:sp>
+        <p:nvSpPr>
+          <p:cNvPr id="54" name="Rectangle 53"/>
+          <p:cNvSpPr/>
+          <p:nvPr/>
+        </p:nvSpPr>
+        <p:spPr>
+          <a:xfrm>
+            <a:off x="2810022" y="3428458"/>
+            <a:ext cx="1985425" cy="2904244"/>
+          </a:xfrm>
+          <a:prstGeom prst="rect">
+            <a:avLst/>
+          </a:prstGeom>
+          <a:solidFill>
+            <a:schemeClr val="bg1">
+              <a:lumMod val="95000"/>
+            </a:schemeClr>
+          </a:solidFill>
+          <a:ln>
+            <a:solidFill>
+              <a:schemeClr val="tx1"/>
+            </a:solidFill>
+          </a:ln>
+        </p:spPr>
+        <p:style>
+          <a:lnRef idx="2">
+            <a:schemeClr val="accent1">
+              <a:shade val="50000"/>
+            </a:schemeClr>
+          </a:lnRef>
+          <a:fillRef idx="1">
+            <a:schemeClr val="accent1"/>
+          </a:fillRef>
+          <a:effectRef idx="0">
+            <a:schemeClr val="accent1"/>
+          </a:effectRef>
+          <a:fontRef idx="minor">
+            <a:schemeClr val="lt1"/>
+          </a:fontRef>
+        </p:style>
+        <p:txBody>
+          <a:bodyPr rtlCol="0" anchor="ctr"/>
+          <a:lstStyle/>
+          <a:p>
+            <a:pPr algn="ctr"/>
+            <a:endParaRPr lang="de-CH"/>
+          </a:p>
+        </p:txBody>
+      </p:sp>
+      <p:sp>
+        <p:nvSpPr>
+          <p:cNvPr id="55" name="TextBox 54"/>
+          <p:cNvSpPr txBox="1"/>
+          <p:nvPr/>
+        </p:nvSpPr>
+        <p:spPr>
+          <a:xfrm>
+            <a:off x="2907716" y="5889573"/>
+            <a:ext cx="1789272" cy="461665"/>
+          </a:xfrm>
+          <a:prstGeom prst="rect">
+            <a:avLst/>
+          </a:prstGeom>
+          <a:noFill/>
+        </p:spPr>
+        <p:txBody>
+          <a:bodyPr wrap="none" rtlCol="0">
+            <a:spAutoFit/>
+          </a:bodyPr>
+          <a:lstStyle/>
+          <a:p>
+            <a:r>
+              <a:rPr lang="de-CH" sz="2400" dirty="0">
+                <a:latin typeface="Times New Roman" panose="02020603050405020304" pitchFamily="18" charset="0"/>
+                <a:cs typeface="Times New Roman" panose="02020603050405020304" pitchFamily="18" charset="0"/>
+              </a:rPr>
+              <a:t>3</a:t>
+            </a:r>
+            <a:r>
+              <a:rPr lang="de-CH" sz="2400" dirty="0" smtClean="0">
+                <a:latin typeface="Times New Roman" panose="02020603050405020304" pitchFamily="18" charset="0"/>
+                <a:cs typeface="Times New Roman" panose="02020603050405020304" pitchFamily="18" charset="0"/>
+              </a:rPr>
+              <a:t> </a:t>
+            </a:r>
+            <a:r>
+              <a:rPr lang="de-CH" sz="2400" dirty="0" smtClean="0">
+                <a:latin typeface="Times New Roman" panose="02020603050405020304" pitchFamily="18" charset="0"/>
+                <a:cs typeface="Times New Roman" panose="02020603050405020304" pitchFamily="18" charset="0"/>
+              </a:rPr>
+              <a:t>left, 2 right</a:t>
+            </a:r>
+            <a:endParaRPr lang="de-CH" sz="2400" dirty="0">
+              <a:latin typeface="Times New Roman" panose="02020603050405020304" pitchFamily="18" charset="0"/>
+              <a:cs typeface="Times New Roman" panose="02020603050405020304" pitchFamily="18" charset="0"/>
+            </a:endParaRPr>
+          </a:p>
+        </p:txBody>
+      </p:sp>
+      <p:sp>
+        <p:nvSpPr>
+          <p:cNvPr id="64" name="Freeform 63"/>
+          <p:cNvSpPr/>
+          <p:nvPr/>
+        </p:nvSpPr>
+        <p:spPr>
+          <a:xfrm>
+            <a:off x="3068918" y="3866920"/>
+            <a:ext cx="720684" cy="1806767"/>
+          </a:xfrm>
+          <a:custGeom>
+            <a:avLst/>
+            <a:gdLst>
+              <a:gd name="connsiteX0" fmla="*/ 903983 w 903983"/>
+              <a:gd name="connsiteY0" fmla="*/ 0 h 1806767"/>
+              <a:gd name="connsiteX1" fmla="*/ 600 w 903983"/>
+              <a:gd name="connsiteY1" fmla="*/ 837282 h 1806767"/>
+              <a:gd name="connsiteX2" fmla="*/ 793815 w 903983"/>
+              <a:gd name="connsiteY2" fmla="*/ 1806767 h 1806767"/>
+            </a:gdLst>
+            <a:ahLst/>
+            <a:cxnLst>
+              <a:cxn ang="0">
+                <a:pos x="connsiteX0" y="connsiteY0"/>
+              </a:cxn>
+              <a:cxn ang="0">
+                <a:pos x="connsiteX1" y="connsiteY1"/>
+              </a:cxn>
+              <a:cxn ang="0">
+                <a:pos x="connsiteX2" y="connsiteY2"/>
+              </a:cxn>
+            </a:cxnLst>
+            <a:rect l="l" t="t" r="r" b="b"/>
+            <a:pathLst>
+              <a:path w="903983" h="1806767">
+                <a:moveTo>
+                  <a:pt x="903983" y="0"/>
+                </a:moveTo>
+                <a:cubicBezTo>
+                  <a:pt x="461472" y="268077"/>
+                  <a:pt x="18961" y="536154"/>
+                  <a:pt x="600" y="837282"/>
+                </a:cubicBezTo>
+                <a:cubicBezTo>
+                  <a:pt x="-17761" y="1138410"/>
+                  <a:pt x="388027" y="1472588"/>
+                  <a:pt x="793815" y="1806767"/>
+                </a:cubicBezTo>
+              </a:path>
+            </a:pathLst>
+          </a:custGeom>
+          <a:noFill/>
+          <a:ln w="76200">
+            <a:solidFill>
+              <a:schemeClr val="tx1"/>
+            </a:solidFill>
+            <a:headEnd type="none" w="med" len="med"/>
+            <a:tailEnd type="arrow" w="med" len="med"/>
+          </a:ln>
+        </p:spPr>
+        <p:style>
+          <a:lnRef idx="2">
+            <a:schemeClr val="accent1">
+              <a:shade val="50000"/>
+            </a:schemeClr>
+          </a:lnRef>
+          <a:fillRef idx="1">
+            <a:schemeClr val="accent1"/>
+          </a:fillRef>
+          <a:effectRef idx="0">
+            <a:schemeClr val="accent1"/>
+          </a:effectRef>
+          <a:fontRef idx="minor">
+            <a:schemeClr val="lt1"/>
+          </a:fontRef>
+        </p:style>
+        <p:txBody>
+          <a:bodyPr rtlCol="0" anchor="ctr"/>
+          <a:lstStyle/>
+          <a:p>
+            <a:pPr algn="ctr"/>
+            <a:endParaRPr lang="de-CH"/>
+          </a:p>
+        </p:txBody>
+      </p:sp>
+      <p:sp>
+        <p:nvSpPr>
+          <p:cNvPr id="65" name="Freeform 64"/>
+          <p:cNvSpPr/>
+          <p:nvPr/>
+        </p:nvSpPr>
+        <p:spPr>
+          <a:xfrm flipH="1">
+            <a:off x="3831610" y="3866920"/>
+            <a:ext cx="754986" cy="1806767"/>
+          </a:xfrm>
+          <a:custGeom>
+            <a:avLst/>
+            <a:gdLst>
+              <a:gd name="connsiteX0" fmla="*/ 903983 w 903983"/>
+              <a:gd name="connsiteY0" fmla="*/ 0 h 1806767"/>
+              <a:gd name="connsiteX1" fmla="*/ 600 w 903983"/>
+              <a:gd name="connsiteY1" fmla="*/ 837282 h 1806767"/>
+              <a:gd name="connsiteX2" fmla="*/ 793815 w 903983"/>
+              <a:gd name="connsiteY2" fmla="*/ 1806767 h 1806767"/>
+            </a:gdLst>
+            <a:ahLst/>
+            <a:cxnLst>
+              <a:cxn ang="0">
+                <a:pos x="connsiteX0" y="connsiteY0"/>
+              </a:cxn>
+              <a:cxn ang="0">
+                <a:pos x="connsiteX1" y="connsiteY1"/>
+              </a:cxn>
+              <a:cxn ang="0">
+                <a:pos x="connsiteX2" y="connsiteY2"/>
+              </a:cxn>
+            </a:cxnLst>
+            <a:rect l="l" t="t" r="r" b="b"/>
+            <a:pathLst>
+              <a:path w="903983" h="1806767">
+                <a:moveTo>
+                  <a:pt x="903983" y="0"/>
+                </a:moveTo>
+                <a:cubicBezTo>
+                  <a:pt x="461472" y="268077"/>
+                  <a:pt x="18961" y="536154"/>
+                  <a:pt x="600" y="837282"/>
+                </a:cubicBezTo>
+                <a:cubicBezTo>
+                  <a:pt x="-17761" y="1138410"/>
+                  <a:pt x="388027" y="1472588"/>
+                  <a:pt x="793815" y="1806767"/>
+                </a:cubicBezTo>
+              </a:path>
+            </a:pathLst>
+          </a:custGeom>
+          <a:noFill/>
+          <a:ln w="57150">
+            <a:solidFill>
+              <a:schemeClr val="tx1"/>
+            </a:solidFill>
+            <a:headEnd type="none" w="med" len="med"/>
+            <a:tailEnd type="arrow" w="med" len="med"/>
+          </a:ln>
+        </p:spPr>
+        <p:style>
+          <a:lnRef idx="2">
+            <a:schemeClr val="accent1">
+              <a:shade val="50000"/>
+            </a:schemeClr>
+          </a:lnRef>
+          <a:fillRef idx="1">
+            <a:schemeClr val="accent1"/>
+          </a:fillRef>
+          <a:effectRef idx="0">
+            <a:schemeClr val="accent1"/>
+          </a:effectRef>
+          <a:fontRef idx="minor">
+            <a:schemeClr val="lt1"/>
+          </a:fontRef>
+        </p:style>
+        <p:txBody>
+          <a:bodyPr rtlCol="0" anchor="ctr"/>
+          <a:lstStyle/>
+          <a:p>
+            <a:pPr algn="ctr"/>
+            <a:endParaRPr lang="de-CH"/>
+          </a:p>
+        </p:txBody>
+      </p:sp>
+      <p:sp>
+        <p:nvSpPr>
+          <p:cNvPr id="66" name="Oval 65"/>
+          <p:cNvSpPr/>
+          <p:nvPr/>
+        </p:nvSpPr>
+        <p:spPr>
+          <a:xfrm>
+            <a:off x="3684267" y="5588521"/>
+            <a:ext cx="288032" cy="319390"/>
+          </a:xfrm>
+          <a:prstGeom prst="ellipse">
+            <a:avLst/>
+          </a:prstGeom>
+          <a:solidFill>
+            <a:schemeClr val="tx1">
+              <a:lumMod val="75000"/>
+              <a:lumOff val="25000"/>
+            </a:schemeClr>
+          </a:solidFill>
+          <a:ln>
+            <a:solidFill>
+              <a:schemeClr val="tx1"/>
+            </a:solidFill>
+          </a:ln>
+        </p:spPr>
+        <p:style>
+          <a:lnRef idx="2">
+            <a:schemeClr val="accent1">
+              <a:shade val="50000"/>
+            </a:schemeClr>
+          </a:lnRef>
+          <a:fillRef idx="1">
+            <a:schemeClr val="accent1"/>
+          </a:fillRef>
+          <a:effectRef idx="0">
+            <a:schemeClr val="accent1"/>
+          </a:effectRef>
+          <a:fontRef idx="minor">
+            <a:schemeClr val="lt1"/>
+          </a:fontRef>
+        </p:style>
+        <p:txBody>
+          <a:bodyPr rtlCol="0" anchor="ctr"/>
+          <a:lstStyle/>
+          <a:p>
+            <a:pPr algn="ctr"/>
+            <a:endParaRPr lang="de-CH"/>
+          </a:p>
+        </p:txBody>
+      </p:sp>
+      <p:sp>
+        <p:nvSpPr>
+          <p:cNvPr id="67" name="Oval 66"/>
+          <p:cNvSpPr/>
+          <p:nvPr/>
+        </p:nvSpPr>
+        <p:spPr>
+          <a:xfrm>
+            <a:off x="3658336" y="3716313"/>
+            <a:ext cx="288032" cy="319390"/>
+          </a:xfrm>
+          <a:prstGeom prst="ellipse">
+            <a:avLst/>
+          </a:prstGeom>
+          <a:solidFill>
+            <a:schemeClr val="tx1">
+              <a:lumMod val="75000"/>
+              <a:lumOff val="25000"/>
+            </a:schemeClr>
+          </a:solidFill>
+          <a:ln>
+            <a:solidFill>
+              <a:schemeClr val="tx1"/>
+            </a:solidFill>
+          </a:ln>
+        </p:spPr>
+        <p:style>
+          <a:lnRef idx="2">
+            <a:schemeClr val="accent1">
+              <a:shade val="50000"/>
+            </a:schemeClr>
+          </a:lnRef>
+          <a:fillRef idx="1">
+            <a:schemeClr val="accent1"/>
+          </a:fillRef>
+          <a:effectRef idx="0">
+            <a:schemeClr val="accent1"/>
+          </a:effectRef>
+          <a:fontRef idx="minor">
+            <a:schemeClr val="lt1"/>
+          </a:fontRef>
+        </p:style>
+        <p:txBody>
+          <a:bodyPr rtlCol="0" anchor="ctr"/>
+          <a:lstStyle/>
+          <a:p>
+            <a:pPr algn="ctr"/>
+            <a:endParaRPr lang="de-CH"/>
+          </a:p>
+        </p:txBody>
+      </p:sp>
+      <p:sp>
+        <p:nvSpPr>
+          <p:cNvPr id="94" name="Rectangle 93"/>
+          <p:cNvSpPr/>
+          <p:nvPr/>
+        </p:nvSpPr>
+        <p:spPr>
+          <a:xfrm>
+            <a:off x="5076056" y="3416126"/>
+            <a:ext cx="1985425" cy="2904244"/>
+          </a:xfrm>
+          <a:prstGeom prst="rect">
+            <a:avLst/>
+          </a:prstGeom>
+          <a:solidFill>
+            <a:schemeClr val="bg1">
+              <a:lumMod val="95000"/>
+            </a:schemeClr>
+          </a:solidFill>
+          <a:ln>
+            <a:solidFill>
+              <a:schemeClr val="tx1"/>
+            </a:solidFill>
+          </a:ln>
+        </p:spPr>
+        <p:style>
+          <a:lnRef idx="2">
+            <a:schemeClr val="accent1">
+              <a:shade val="50000"/>
+            </a:schemeClr>
+          </a:lnRef>
+          <a:fillRef idx="1">
+            <a:schemeClr val="accent1"/>
+          </a:fillRef>
+          <a:effectRef idx="0">
+            <a:schemeClr val="accent1"/>
+          </a:effectRef>
+          <a:fontRef idx="minor">
+            <a:schemeClr val="lt1"/>
+          </a:fontRef>
+        </p:style>
+        <p:txBody>
+          <a:bodyPr rtlCol="0" anchor="ctr"/>
+          <a:lstStyle/>
+          <a:p>
+            <a:pPr algn="ctr"/>
+            <a:endParaRPr lang="de-CH"/>
+          </a:p>
+        </p:txBody>
+      </p:sp>
+      <p:sp>
+        <p:nvSpPr>
+          <p:cNvPr id="95" name="TextBox 94"/>
+          <p:cNvSpPr txBox="1"/>
+          <p:nvPr/>
+        </p:nvSpPr>
+        <p:spPr>
+          <a:xfrm>
+            <a:off x="5173750" y="5877241"/>
+            <a:ext cx="1789272" cy="461665"/>
+          </a:xfrm>
+          <a:prstGeom prst="rect">
+            <a:avLst/>
+          </a:prstGeom>
+          <a:noFill/>
+        </p:spPr>
+        <p:txBody>
+          <a:bodyPr wrap="none" rtlCol="0">
+            <a:spAutoFit/>
+          </a:bodyPr>
+          <a:lstStyle/>
+          <a:p>
+            <a:r>
+              <a:rPr lang="de-CH" sz="2400" dirty="0" smtClean="0">
+                <a:latin typeface="Times New Roman" panose="02020603050405020304" pitchFamily="18" charset="0"/>
+                <a:cs typeface="Times New Roman" panose="02020603050405020304" pitchFamily="18" charset="0"/>
+              </a:rPr>
+              <a:t>5</a:t>
+            </a:r>
+            <a:r>
+              <a:rPr lang="de-CH" sz="2400" dirty="0" smtClean="0">
+                <a:latin typeface="Times New Roman" panose="02020603050405020304" pitchFamily="18" charset="0"/>
+                <a:cs typeface="Times New Roman" panose="02020603050405020304" pitchFamily="18" charset="0"/>
+              </a:rPr>
+              <a:t> </a:t>
+            </a:r>
+            <a:r>
+              <a:rPr lang="de-CH" sz="2400" dirty="0" smtClean="0">
+                <a:latin typeface="Times New Roman" panose="02020603050405020304" pitchFamily="18" charset="0"/>
+                <a:cs typeface="Times New Roman" panose="02020603050405020304" pitchFamily="18" charset="0"/>
+              </a:rPr>
+              <a:t>left, 2 right</a:t>
+            </a:r>
+            <a:endParaRPr lang="de-CH" sz="2400" dirty="0">
+              <a:latin typeface="Times New Roman" panose="02020603050405020304" pitchFamily="18" charset="0"/>
+              <a:cs typeface="Times New Roman" panose="02020603050405020304" pitchFamily="18" charset="0"/>
+            </a:endParaRPr>
+          </a:p>
+        </p:txBody>
+      </p:sp>
+      <p:sp>
+        <p:nvSpPr>
+          <p:cNvPr id="96" name="Freeform 95"/>
+          <p:cNvSpPr/>
+          <p:nvPr/>
+        </p:nvSpPr>
+        <p:spPr>
+          <a:xfrm>
+            <a:off x="5334952" y="3854588"/>
+            <a:ext cx="720684" cy="1806767"/>
+          </a:xfrm>
+          <a:custGeom>
+            <a:avLst/>
+            <a:gdLst>
+              <a:gd name="connsiteX0" fmla="*/ 903983 w 903983"/>
+              <a:gd name="connsiteY0" fmla="*/ 0 h 1806767"/>
+              <a:gd name="connsiteX1" fmla="*/ 600 w 903983"/>
+              <a:gd name="connsiteY1" fmla="*/ 837282 h 1806767"/>
+              <a:gd name="connsiteX2" fmla="*/ 793815 w 903983"/>
+              <a:gd name="connsiteY2" fmla="*/ 1806767 h 1806767"/>
+            </a:gdLst>
+            <a:ahLst/>
+            <a:cxnLst>
+              <a:cxn ang="0">
+                <a:pos x="connsiteX0" y="connsiteY0"/>
+              </a:cxn>
+              <a:cxn ang="0">
+                <a:pos x="connsiteX1" y="connsiteY1"/>
+              </a:cxn>
+              <a:cxn ang="0">
+                <a:pos x="connsiteX2" y="connsiteY2"/>
+              </a:cxn>
+            </a:cxnLst>
+            <a:rect l="l" t="t" r="r" b="b"/>
+            <a:pathLst>
+              <a:path w="903983" h="1806767">
+                <a:moveTo>
+                  <a:pt x="903983" y="0"/>
+                </a:moveTo>
+                <a:cubicBezTo>
+                  <a:pt x="461472" y="268077"/>
+                  <a:pt x="18961" y="536154"/>
+                  <a:pt x="600" y="837282"/>
+                </a:cubicBezTo>
+                <a:cubicBezTo>
+                  <a:pt x="-17761" y="1138410"/>
+                  <a:pt x="388027" y="1472588"/>
+                  <a:pt x="793815" y="1806767"/>
+                </a:cubicBezTo>
+              </a:path>
+            </a:pathLst>
+          </a:custGeom>
+          <a:noFill/>
+          <a:ln w="117475">
+            <a:solidFill>
+              <a:schemeClr val="tx1"/>
+            </a:solidFill>
+            <a:headEnd type="none" w="med" len="med"/>
+            <a:tailEnd type="arrow" w="med" len="med"/>
+          </a:ln>
+        </p:spPr>
+        <p:style>
+          <a:lnRef idx="2">
+            <a:schemeClr val="accent1">
+              <a:shade val="50000"/>
+            </a:schemeClr>
+          </a:lnRef>
+          <a:fillRef idx="1">
+            <a:schemeClr val="accent1"/>
+          </a:fillRef>
+          <a:effectRef idx="0">
+            <a:schemeClr val="accent1"/>
+          </a:effectRef>
+          <a:fontRef idx="minor">
+            <a:schemeClr val="lt1"/>
+          </a:fontRef>
+        </p:style>
+        <p:txBody>
+          <a:bodyPr rtlCol="0" anchor="ctr"/>
+          <a:lstStyle/>
+          <a:p>
+            <a:pPr algn="ctr"/>
+            <a:endParaRPr lang="de-CH"/>
+          </a:p>
+        </p:txBody>
+      </p:sp>
+      <p:sp>
+        <p:nvSpPr>
+          <p:cNvPr id="97" name="Freeform 96"/>
+          <p:cNvSpPr/>
+          <p:nvPr/>
+        </p:nvSpPr>
+        <p:spPr>
+          <a:xfrm flipH="1">
+            <a:off x="6097644" y="3854588"/>
+            <a:ext cx="754986" cy="1806767"/>
+          </a:xfrm>
+          <a:custGeom>
+            <a:avLst/>
+            <a:gdLst>
+              <a:gd name="connsiteX0" fmla="*/ 903983 w 903983"/>
+              <a:gd name="connsiteY0" fmla="*/ 0 h 1806767"/>
+              <a:gd name="connsiteX1" fmla="*/ 600 w 903983"/>
+              <a:gd name="connsiteY1" fmla="*/ 837282 h 1806767"/>
+              <a:gd name="connsiteX2" fmla="*/ 793815 w 903983"/>
+              <a:gd name="connsiteY2" fmla="*/ 1806767 h 1806767"/>
+            </a:gdLst>
+            <a:ahLst/>
+            <a:cxnLst>
+              <a:cxn ang="0">
+                <a:pos x="connsiteX0" y="connsiteY0"/>
+              </a:cxn>
+              <a:cxn ang="0">
+                <a:pos x="connsiteX1" y="connsiteY1"/>
+              </a:cxn>
+              <a:cxn ang="0">
+                <a:pos x="connsiteX2" y="connsiteY2"/>
+              </a:cxn>
+            </a:cxnLst>
+            <a:rect l="l" t="t" r="r" b="b"/>
+            <a:pathLst>
+              <a:path w="903983" h="1806767">
+                <a:moveTo>
+                  <a:pt x="903983" y="0"/>
+                </a:moveTo>
+                <a:cubicBezTo>
+                  <a:pt x="461472" y="268077"/>
+                  <a:pt x="18961" y="536154"/>
+                  <a:pt x="600" y="837282"/>
+                </a:cubicBezTo>
+                <a:cubicBezTo>
+                  <a:pt x="-17761" y="1138410"/>
+                  <a:pt x="388027" y="1472588"/>
+                  <a:pt x="793815" y="1806767"/>
+                </a:cubicBezTo>
+              </a:path>
+            </a:pathLst>
+          </a:custGeom>
+          <a:noFill/>
+          <a:ln w="57150">
+            <a:solidFill>
+              <a:schemeClr val="tx1"/>
+            </a:solidFill>
+            <a:headEnd type="none" w="med" len="med"/>
+            <a:tailEnd type="arrow" w="med" len="med"/>
+          </a:ln>
+        </p:spPr>
+        <p:style>
+          <a:lnRef idx="2">
+            <a:schemeClr val="accent1">
+              <a:shade val="50000"/>
+            </a:schemeClr>
+          </a:lnRef>
+          <a:fillRef idx="1">
+            <a:schemeClr val="accent1"/>
+          </a:fillRef>
+          <a:effectRef idx="0">
+            <a:schemeClr val="accent1"/>
+          </a:effectRef>
+          <a:fontRef idx="minor">
+            <a:schemeClr val="lt1"/>
+          </a:fontRef>
+        </p:style>
+        <p:txBody>
+          <a:bodyPr rtlCol="0" anchor="ctr"/>
+          <a:lstStyle/>
+          <a:p>
+            <a:pPr algn="ctr"/>
+            <a:endParaRPr lang="de-CH"/>
+          </a:p>
+        </p:txBody>
+      </p:sp>
+      <p:sp>
+        <p:nvSpPr>
+          <p:cNvPr id="98" name="Oval 97"/>
+          <p:cNvSpPr/>
+          <p:nvPr/>
+        </p:nvSpPr>
+        <p:spPr>
+          <a:xfrm>
+            <a:off x="5950301" y="5576189"/>
+            <a:ext cx="288032" cy="319390"/>
+          </a:xfrm>
+          <a:prstGeom prst="ellipse">
+            <a:avLst/>
+          </a:prstGeom>
+          <a:solidFill>
+            <a:schemeClr val="tx1">
+              <a:lumMod val="75000"/>
+              <a:lumOff val="25000"/>
+            </a:schemeClr>
+          </a:solidFill>
+          <a:ln>
+            <a:solidFill>
+              <a:schemeClr val="tx1"/>
+            </a:solidFill>
+          </a:ln>
+        </p:spPr>
+        <p:style>
+          <a:lnRef idx="2">
+            <a:schemeClr val="accent1">
+              <a:shade val="50000"/>
+            </a:schemeClr>
+          </a:lnRef>
+          <a:fillRef idx="1">
+            <a:schemeClr val="accent1"/>
+          </a:fillRef>
+          <a:effectRef idx="0">
+            <a:schemeClr val="accent1"/>
+          </a:effectRef>
+          <a:fontRef idx="minor">
+            <a:schemeClr val="lt1"/>
+          </a:fontRef>
+        </p:style>
+        <p:txBody>
+          <a:bodyPr rtlCol="0" anchor="ctr"/>
+          <a:lstStyle/>
+          <a:p>
+            <a:pPr algn="ctr"/>
+            <a:endParaRPr lang="de-CH"/>
+          </a:p>
+        </p:txBody>
+      </p:sp>
+      <p:sp>
+        <p:nvSpPr>
+          <p:cNvPr id="99" name="Oval 98"/>
+          <p:cNvSpPr/>
+          <p:nvPr/>
+        </p:nvSpPr>
+        <p:spPr>
+          <a:xfrm>
+            <a:off x="5924370" y="3703981"/>
+            <a:ext cx="288032" cy="319390"/>
+          </a:xfrm>
+          <a:prstGeom prst="ellipse">
+            <a:avLst/>
+          </a:prstGeom>
+          <a:solidFill>
+            <a:schemeClr val="tx1">
+              <a:lumMod val="75000"/>
+              <a:lumOff val="25000"/>
+            </a:schemeClr>
+          </a:solidFill>
+          <a:ln>
+            <a:solidFill>
+              <a:schemeClr val="tx1"/>
+            </a:solidFill>
+          </a:ln>
+        </p:spPr>
+        <p:style>
+          <a:lnRef idx="2">
+            <a:schemeClr val="accent1">
+              <a:shade val="50000"/>
+            </a:schemeClr>
+          </a:lnRef>
+          <a:fillRef idx="1">
+            <a:schemeClr val="accent1"/>
+          </a:fillRef>
+          <a:effectRef idx="0">
+            <a:schemeClr val="accent1"/>
+          </a:effectRef>
+          <a:fontRef idx="minor">
+            <a:schemeClr val="lt1"/>
+          </a:fontRef>
+        </p:style>
+        <p:txBody>
+          <a:bodyPr rtlCol="0" anchor="ctr"/>
+          <a:lstStyle/>
+          <a:p>
+            <a:pPr algn="ctr"/>
+            <a:endParaRPr lang="de-CH"/>
           </a:p>
         </p:txBody>
       </p:sp>
